--- a/data8/slides/lab8.pptx
+++ b/data8/slides/lab8.pptx
@@ -9,24 +9,19 @@
     <p:sldMasterId id="2147483699" r:id="rId5"/>
   </p:sldMasterIdLst>
   <p:notesMasterIdLst>
-    <p:notesMasterId r:id="rId18"/>
+    <p:notesMasterId r:id="rId13"/>
   </p:notesMasterIdLst>
   <p:handoutMasterIdLst>
-    <p:handoutMasterId r:id="rId19"/>
+    <p:handoutMasterId r:id="rId14"/>
   </p:handoutMasterIdLst>
   <p:sldIdLst>
     <p:sldId id="256" r:id="rId6"/>
     <p:sldId id="289" r:id="rId7"/>
     <p:sldId id="287" r:id="rId8"/>
     <p:sldId id="290" r:id="rId9"/>
-    <p:sldId id="292" r:id="rId10"/>
-    <p:sldId id="293" r:id="rId11"/>
-    <p:sldId id="294" r:id="rId12"/>
-    <p:sldId id="295" r:id="rId13"/>
-    <p:sldId id="296" r:id="rId14"/>
-    <p:sldId id="297" r:id="rId15"/>
-    <p:sldId id="267" r:id="rId16"/>
-    <p:sldId id="266" r:id="rId17"/>
+    <p:sldId id="291" r:id="rId10"/>
+    <p:sldId id="267" r:id="rId11"/>
+    <p:sldId id="266" r:id="rId12"/>
   </p:sldIdLst>
   <p:sldSz cx="9144000" cy="6858000" type="screen4x3"/>
   <p:notesSz cx="6858000" cy="9144000"/>
@@ -210,7 +205,7 @@
           <a:p>
             <a:fld id="{97CB1905-1EEB-6545-B5E2-B70E8868255E}" type="datetimeFigureOut">
               <a:rPr lang="en-US" smtClean="0"/>
-              <a:t>9/2/2019</a:t>
+              <a:t>10/21/2019</a:t>
             </a:fld>
             <a:endParaRPr lang="en-US"/>
           </a:p>
@@ -376,7 +371,7 @@
           <a:p>
             <a:fld id="{5F53F6BF-7462-9046-A2B6-90C29244BD27}" type="datetimeFigureOut">
               <a:rPr lang="en-US" smtClean="0"/>
-              <a:t>9/2/2019</a:t>
+              <a:t>10/21/2019</a:t>
             </a:fld>
             <a:endParaRPr lang="en-US"/>
           </a:p>
@@ -645,6 +640,102 @@
 </p:notesMaster>
 </file>
 
+<file path=ppt/notesSlides/notesSlide1.xml><?xml version="1.0" encoding="utf-8"?>
+<p:notes xmlns:a="http://schemas.openxmlformats.org/drawingml/2006/main" xmlns:r="http://schemas.openxmlformats.org/officeDocument/2006/relationships" xmlns:p="http://schemas.openxmlformats.org/presentationml/2006/main">
+  <p:cSld>
+    <p:spTree>
+      <p:nvGrpSpPr>
+        <p:cNvPr id="1" name=""/>
+        <p:cNvGrpSpPr/>
+        <p:nvPr/>
+      </p:nvGrpSpPr>
+      <p:grpSpPr>
+        <a:xfrm>
+          <a:off x="0" y="0"/>
+          <a:ext cx="0" cy="0"/>
+          <a:chOff x="0" y="0"/>
+          <a:chExt cx="0" cy="0"/>
+        </a:xfrm>
+      </p:grpSpPr>
+      <p:sp>
+        <p:nvSpPr>
+          <p:cNvPr id="2" name="Slide Image Placeholder 1"/>
+          <p:cNvSpPr>
+            <a:spLocks noGrp="1" noRot="1" noChangeAspect="1"/>
+          </p:cNvSpPr>
+          <p:nvPr>
+            <p:ph type="sldImg"/>
+          </p:nvPr>
+        </p:nvSpPr>
+        <p:spPr/>
+      </p:sp>
+      <p:sp>
+        <p:nvSpPr>
+          <p:cNvPr id="3" name="Notes Placeholder 2"/>
+          <p:cNvSpPr>
+            <a:spLocks noGrp="1"/>
+          </p:cNvSpPr>
+          <p:nvPr>
+            <p:ph type="body" idx="1"/>
+          </p:nvPr>
+        </p:nvSpPr>
+        <p:spPr/>
+        <p:txBody>
+          <a:bodyPr/>
+          <a:lstStyle/>
+          <a:p>
+            <a:r>
+              <a:rPr lang="en-CA" dirty="0" smtClean="0"/>
+              <a:t>Motivation: Most of the time we don’t have access</a:t>
+            </a:r>
+            <a:r>
+              <a:rPr lang="en-CA" baseline="0" dirty="0" smtClean="0"/>
+              <a:t> to the </a:t>
+            </a:r>
+            <a:r>
+              <a:rPr lang="en-CA" baseline="0" smtClean="0"/>
+              <a:t>whole population </a:t>
+            </a:r>
+            <a:endParaRPr lang="en-CA"/>
+          </a:p>
+        </p:txBody>
+      </p:sp>
+      <p:sp>
+        <p:nvSpPr>
+          <p:cNvPr id="4" name="Slide Number Placeholder 3"/>
+          <p:cNvSpPr>
+            <a:spLocks noGrp="1"/>
+          </p:cNvSpPr>
+          <p:nvPr>
+            <p:ph type="sldNum" sz="quarter" idx="10"/>
+          </p:nvPr>
+        </p:nvSpPr>
+        <p:spPr/>
+        <p:txBody>
+          <a:bodyPr/>
+          <a:lstStyle/>
+          <a:p>
+            <a:fld id="{84B7DBC5-2A13-CA47-B9EE-6017A92B6B18}" type="slidenum">
+              <a:rPr lang="en-US" smtClean="0"/>
+              <a:t>1</a:t>
+            </a:fld>
+            <a:endParaRPr lang="en-US"/>
+          </a:p>
+        </p:txBody>
+      </p:sp>
+    </p:spTree>
+    <p:extLst>
+      <p:ext uri="{BB962C8B-B14F-4D97-AF65-F5344CB8AC3E}">
+        <p14:creationId xmlns:p14="http://schemas.microsoft.com/office/powerpoint/2010/main" val="3536330571"/>
+      </p:ext>
+    </p:extLst>
+  </p:cSld>
+  <p:clrMapOvr>
+    <a:masterClrMapping/>
+  </p:clrMapOvr>
+</p:notes>
+</file>
+
 <file path=ppt/slideLayouts/slideLayout1.xml><?xml version="1.0" encoding="utf-8"?>
 <p:sldLayout xmlns:a="http://schemas.openxmlformats.org/drawingml/2006/main" xmlns:r="http://schemas.openxmlformats.org/officeDocument/2006/relationships" xmlns:p="http://schemas.openxmlformats.org/presentationml/2006/main" type="title" preserve="1">
   <p:cSld name="Title Slide">
@@ -7660,16 +7751,7 @@
                 </a:solidFill>
                 <a:latin typeface="Avenir LT Std 45 Book" pitchFamily="34" charset="0"/>
               </a:rPr>
-              <a:t>Data 8, Lab </a:t>
-            </a:r>
-            <a:r>
-              <a:rPr lang="en-US" dirty="0" smtClean="0">
-                <a:solidFill>
-                  <a:srgbClr val="C28220"/>
-                </a:solidFill>
-                <a:latin typeface="Avenir LT Std 45 Book" pitchFamily="34" charset="0"/>
-              </a:rPr>
-              <a:t>8</a:t>
+              <a:t>Data 8, Lab 8</a:t>
             </a:r>
             <a:endParaRPr lang="en-US" dirty="0">
               <a:solidFill>
@@ -7706,11 +7788,8 @@
               <a:rPr lang="en-US" b="1" dirty="0" smtClean="0">
                 <a:latin typeface="Avenir LT Std 45 Book" pitchFamily="34" charset="0"/>
               </a:rPr>
-              <a:t>Skewness, Normality, and Sample Means</a:t>
-            </a:r>
-            <a:endParaRPr lang="en-US" b="1" dirty="0" smtClean="0">
-              <a:latin typeface="Avenir LT Std 45 Book" pitchFamily="34" charset="0"/>
-            </a:endParaRPr>
+              <a:t>The Bootstrap and Confidence Intervals</a:t>
+            </a:r>
           </a:p>
           <a:p>
             <a:endParaRPr lang="en-US" b="1" dirty="0">
@@ -7740,10 +7819,10 @@
           </a:p>
           <a:p>
             <a:r>
-              <a:rPr lang="en-US" dirty="0" smtClean="0">
+              <a:rPr lang="en-US" smtClean="0">
                 <a:latin typeface="Avenir LT Std 45 Book" pitchFamily="34" charset="0"/>
               </a:rPr>
-              <a:t>8 November 2019</a:t>
+              <a:t>1 November 2019</a:t>
             </a:r>
             <a:endParaRPr lang="en-US" dirty="0">
               <a:latin typeface="Avenir LT Std 45 Book" pitchFamily="34" charset="0"/>
@@ -7755,351 +7834,6 @@
     <p:extLst>
       <p:ext uri="{BB962C8B-B14F-4D97-AF65-F5344CB8AC3E}">
         <p14:creationId xmlns:p14="http://schemas.microsoft.com/office/powerpoint/2010/main" val="1276399452"/>
-      </p:ext>
-    </p:extLst>
-  </p:cSld>
-  <p:clrMapOvr>
-    <a:masterClrMapping/>
-  </p:clrMapOvr>
-  <p:timing>
-    <p:tnLst>
-      <p:par>
-        <p:cTn id="1" dur="indefinite" restart="never" nodeType="tmRoot"/>
-      </p:par>
-    </p:tnLst>
-  </p:timing>
-</p:sld>
-</file>
-
-<file path=ppt/slides/slide10.xml><?xml version="1.0" encoding="utf-8"?>
-<p:sld xmlns:a="http://schemas.openxmlformats.org/drawingml/2006/main" xmlns:r="http://schemas.openxmlformats.org/officeDocument/2006/relationships" xmlns:p="http://schemas.openxmlformats.org/presentationml/2006/main">
-  <p:cSld>
-    <p:spTree>
-      <p:nvGrpSpPr>
-        <p:cNvPr id="1" name=""/>
-        <p:cNvGrpSpPr/>
-        <p:nvPr/>
-      </p:nvGrpSpPr>
-      <p:grpSpPr>
-        <a:xfrm>
-          <a:off x="0" y="0"/>
-          <a:ext cx="0" cy="0"/>
-          <a:chOff x="0" y="0"/>
-          <a:chExt cx="0" cy="0"/>
-        </a:xfrm>
-      </p:grpSpPr>
-      <p:sp>
-        <p:nvSpPr>
-          <p:cNvPr id="2" name="Title 1"/>
-          <p:cNvSpPr>
-            <a:spLocks noGrp="1"/>
-          </p:cNvSpPr>
-          <p:nvPr>
-            <p:ph type="title"/>
-          </p:nvPr>
-        </p:nvSpPr>
-        <p:spPr>
-          <a:xfrm>
-            <a:off x="457200" y="449932"/>
-            <a:ext cx="8286750" cy="1150353"/>
-          </a:xfrm>
-        </p:spPr>
-        <p:txBody>
-          <a:bodyPr/>
-          <a:lstStyle/>
-          <a:p>
-            <a:r>
-              <a:rPr lang="en-CA" dirty="0" smtClean="0">
-                <a:latin typeface="+mn-lt"/>
-              </a:rPr>
-              <a:t>Distribution of Sample Mean</a:t>
-            </a:r>
-            <a:endParaRPr lang="en-CA" dirty="0">
-              <a:latin typeface="+mn-lt"/>
-            </a:endParaRPr>
-          </a:p>
-        </p:txBody>
-      </p:sp>
-      <p:sp>
-        <p:nvSpPr>
-          <p:cNvPr id="3" name="Content Placeholder 2"/>
-          <p:cNvSpPr>
-            <a:spLocks noGrp="1"/>
-          </p:cNvSpPr>
-          <p:nvPr>
-            <p:ph idx="1"/>
-          </p:nvPr>
-        </p:nvSpPr>
-        <p:spPr>
-          <a:xfrm>
-            <a:off x="457200" y="1756947"/>
-            <a:ext cx="8286750" cy="3300828"/>
-          </a:xfrm>
-        </p:spPr>
-        <p:txBody>
-          <a:bodyPr>
-            <a:normAutofit/>
-          </a:bodyPr>
-          <a:lstStyle/>
-          <a:p>
-            <a:r>
-              <a:rPr lang="en-CA" dirty="0" smtClean="0">
-                <a:latin typeface="+mn-lt"/>
-              </a:rPr>
-              <a:t>As the sample size increases, the sample mean is more likely to be closer to the population mean</a:t>
-            </a:r>
-          </a:p>
-          <a:p>
-            <a:r>
-              <a:rPr lang="en-CA" dirty="0" smtClean="0">
-                <a:latin typeface="+mn-lt"/>
-              </a:rPr>
-              <a:t>Therefore: the distribution of sample means will have lower SD – a “narrower bell”</a:t>
-            </a:r>
-          </a:p>
-        </p:txBody>
-      </p:sp>
-      <p:pic>
-        <p:nvPicPr>
-          <p:cNvPr id="10242" name="Picture 2" descr="https://lh6.googleusercontent.com/KJRSPHc-gY2HN2dq8JC37QZrC7KgTtYK06QuzIuGfEeMmuHHDN8I1Czw3w6NW1kCJvCOk7yBywWhZz9uT7PSO4-oVLux10WEgJ7NZnrHSqa0D6JL5NKKKh_DibB_0bnPfVxA1rArEG8"/>
-          <p:cNvPicPr>
-            <a:picLocks noChangeAspect="1" noChangeArrowheads="1"/>
-          </p:cNvPicPr>
-          <p:nvPr/>
-        </p:nvPicPr>
-        <p:blipFill>
-          <a:blip r:embed="rId2">
-            <a:extLst>
-              <a:ext uri="{28A0092B-C50C-407E-A947-70E740481C1C}">
-                <a14:useLocalDpi xmlns:a14="http://schemas.microsoft.com/office/drawing/2010/main" val="0"/>
-              </a:ext>
-            </a:extLst>
-          </a:blip>
-          <a:srcRect/>
-          <a:stretch>
-            <a:fillRect/>
-          </a:stretch>
-        </p:blipFill>
-        <p:spPr bwMode="auto">
-          <a:xfrm>
-            <a:off x="2200128" y="3305175"/>
-            <a:ext cx="4743745" cy="2465388"/>
-          </a:xfrm>
-          <a:prstGeom prst="rect">
-            <a:avLst/>
-          </a:prstGeom>
-          <a:noFill/>
-          <a:extLst>
-            <a:ext uri="{909E8E84-426E-40DD-AFC4-6F175D3DCCD1}">
-              <a14:hiddenFill xmlns:a14="http://schemas.microsoft.com/office/drawing/2010/main">
-                <a:solidFill>
-                  <a:srgbClr val="FFFFFF"/>
-                </a:solidFill>
-              </a14:hiddenFill>
-            </a:ext>
-          </a:extLst>
-        </p:spPr>
-      </p:pic>
-    </p:spTree>
-    <p:extLst>
-      <p:ext uri="{BB962C8B-B14F-4D97-AF65-F5344CB8AC3E}">
-        <p14:creationId xmlns:p14="http://schemas.microsoft.com/office/powerpoint/2010/main" val="3333663121"/>
-      </p:ext>
-    </p:extLst>
-  </p:cSld>
-  <p:clrMapOvr>
-    <a:masterClrMapping/>
-  </p:clrMapOvr>
-  <p:timing>
-    <p:tnLst>
-      <p:par>
-        <p:cTn id="1" dur="indefinite" restart="never" nodeType="tmRoot"/>
-      </p:par>
-    </p:tnLst>
-  </p:timing>
-</p:sld>
-</file>
-
-<file path=ppt/slides/slide11.xml><?xml version="1.0" encoding="utf-8"?>
-<p:sld xmlns:a="http://schemas.openxmlformats.org/drawingml/2006/main" xmlns:r="http://schemas.openxmlformats.org/officeDocument/2006/relationships" xmlns:p="http://schemas.openxmlformats.org/presentationml/2006/main">
-  <p:cSld>
-    <p:spTree>
-      <p:nvGrpSpPr>
-        <p:cNvPr id="1" name=""/>
-        <p:cNvGrpSpPr/>
-        <p:nvPr/>
-      </p:nvGrpSpPr>
-      <p:grpSpPr>
-        <a:xfrm>
-          <a:off x="0" y="0"/>
-          <a:ext cx="0" cy="0"/>
-          <a:chOff x="0" y="0"/>
-          <a:chExt cx="0" cy="0"/>
-        </a:xfrm>
-      </p:grpSpPr>
-      <p:sp>
-        <p:nvSpPr>
-          <p:cNvPr id="2" name="Title 1"/>
-          <p:cNvSpPr>
-            <a:spLocks noGrp="1"/>
-          </p:cNvSpPr>
-          <p:nvPr>
-            <p:ph type="title"/>
-          </p:nvPr>
-        </p:nvSpPr>
-        <p:spPr>
-          <a:xfrm>
-            <a:off x="457200" y="449932"/>
-            <a:ext cx="8286750" cy="1150353"/>
-          </a:xfrm>
-        </p:spPr>
-        <p:txBody>
-          <a:bodyPr/>
-          <a:lstStyle/>
-          <a:p>
-            <a:r>
-              <a:rPr lang="en-CA" dirty="0" smtClean="0">
-                <a:latin typeface="+mn-lt"/>
-              </a:rPr>
-              <a:t>Announcements</a:t>
-            </a:r>
-            <a:endParaRPr lang="en-CA" dirty="0">
-              <a:latin typeface="+mn-lt"/>
-            </a:endParaRPr>
-          </a:p>
-        </p:txBody>
-      </p:sp>
-      <p:sp>
-        <p:nvSpPr>
-          <p:cNvPr id="3" name="Content Placeholder 2"/>
-          <p:cNvSpPr>
-            <a:spLocks noGrp="1"/>
-          </p:cNvSpPr>
-          <p:nvPr>
-            <p:ph idx="1"/>
-          </p:nvPr>
-        </p:nvSpPr>
-        <p:spPr>
-          <a:xfrm>
-            <a:off x="457200" y="1756947"/>
-            <a:ext cx="8286750" cy="3596103"/>
-          </a:xfrm>
-        </p:spPr>
-        <p:txBody>
-          <a:bodyPr/>
-          <a:lstStyle/>
-          <a:p>
-            <a:endParaRPr lang="en-CA" dirty="0">
-              <a:latin typeface="+mn-lt"/>
-            </a:endParaRPr>
-          </a:p>
-        </p:txBody>
-      </p:sp>
-    </p:spTree>
-    <p:extLst>
-      <p:ext uri="{BB962C8B-B14F-4D97-AF65-F5344CB8AC3E}">
-        <p14:creationId xmlns:p14="http://schemas.microsoft.com/office/powerpoint/2010/main" val="203414778"/>
-      </p:ext>
-    </p:extLst>
-  </p:cSld>
-  <p:clrMapOvr>
-    <a:masterClrMapping/>
-  </p:clrMapOvr>
-  <p:timing>
-    <p:tnLst>
-      <p:par>
-        <p:cTn id="1" dur="indefinite" restart="never" nodeType="tmRoot"/>
-      </p:par>
-    </p:tnLst>
-  </p:timing>
-</p:sld>
-</file>
-
-<file path=ppt/slides/slide12.xml><?xml version="1.0" encoding="utf-8"?>
-<p:sld xmlns:a="http://schemas.openxmlformats.org/drawingml/2006/main" xmlns:r="http://schemas.openxmlformats.org/officeDocument/2006/relationships" xmlns:p="http://schemas.openxmlformats.org/presentationml/2006/main">
-  <p:cSld>
-    <p:spTree>
-      <p:nvGrpSpPr>
-        <p:cNvPr id="1" name=""/>
-        <p:cNvGrpSpPr/>
-        <p:nvPr/>
-      </p:nvGrpSpPr>
-      <p:grpSpPr>
-        <a:xfrm>
-          <a:off x="0" y="0"/>
-          <a:ext cx="0" cy="0"/>
-          <a:chOff x="0" y="0"/>
-          <a:chExt cx="0" cy="0"/>
-        </a:xfrm>
-      </p:grpSpPr>
-      <p:sp>
-        <p:nvSpPr>
-          <p:cNvPr id="2" name="Title 1"/>
-          <p:cNvSpPr>
-            <a:spLocks noGrp="1"/>
-          </p:cNvSpPr>
-          <p:nvPr>
-            <p:ph type="title"/>
-          </p:nvPr>
-        </p:nvSpPr>
-        <p:spPr>
-          <a:xfrm>
-            <a:off x="457200" y="449932"/>
-            <a:ext cx="8286750" cy="1150353"/>
-          </a:xfrm>
-        </p:spPr>
-        <p:txBody>
-          <a:bodyPr/>
-          <a:lstStyle/>
-          <a:p>
-            <a:r>
-              <a:rPr lang="en-CA" dirty="0" smtClean="0">
-                <a:latin typeface="+mn-lt"/>
-              </a:rPr>
-              <a:t>Lab Notebook</a:t>
-            </a:r>
-            <a:endParaRPr lang="en-CA" dirty="0">
-              <a:latin typeface="+mn-lt"/>
-            </a:endParaRPr>
-          </a:p>
-        </p:txBody>
-      </p:sp>
-      <p:sp>
-        <p:nvSpPr>
-          <p:cNvPr id="3" name="Content Placeholder 2"/>
-          <p:cNvSpPr>
-            <a:spLocks noGrp="1"/>
-          </p:cNvSpPr>
-          <p:nvPr>
-            <p:ph idx="1"/>
-          </p:nvPr>
-        </p:nvSpPr>
-        <p:spPr>
-          <a:xfrm>
-            <a:off x="457200" y="1756947"/>
-            <a:ext cx="8286750" cy="3596103"/>
-          </a:xfrm>
-        </p:spPr>
-        <p:txBody>
-          <a:bodyPr/>
-          <a:lstStyle/>
-          <a:p>
-            <a:pPr marL="0" indent="0">
-              <a:buNone/>
-            </a:pPr>
-            <a:r>
-              <a:rPr lang="en-CA" smtClean="0">
-                <a:latin typeface="Avenir LT Std 45 Book" pitchFamily="34" charset="0"/>
-              </a:rPr>
-              <a:t>TBD</a:t>
-            </a:r>
-          </a:p>
-        </p:txBody>
-      </p:sp>
-    </p:spTree>
-    <p:extLst>
-      <p:ext uri="{BB962C8B-B14F-4D97-AF65-F5344CB8AC3E}">
-        <p14:creationId xmlns:p14="http://schemas.microsoft.com/office/powerpoint/2010/main" val="687167673"/>
       </p:ext>
     </p:extLst>
   </p:cSld>
@@ -8192,7 +7926,7 @@
               <a:rPr lang="en-CA" dirty="0" smtClean="0">
                 <a:latin typeface="+mn-lt"/>
               </a:rPr>
-              <a:t>Skewness</a:t>
+              <a:t>The Bootstrap</a:t>
             </a:r>
           </a:p>
           <a:p>
@@ -8203,19 +7937,13 @@
               <a:rPr lang="en-CA" dirty="0" smtClean="0">
                 <a:latin typeface="+mn-lt"/>
               </a:rPr>
-              <a:t>Variability</a:t>
+              <a:t>Confidence Intervals</a:t>
             </a:r>
           </a:p>
           <a:p>
             <a:pPr marL="457200" indent="-457200">
               <a:buAutoNum type="arabicPeriod"/>
             </a:pPr>
-            <a:r>
-              <a:rPr lang="en-CA" dirty="0" smtClean="0">
-                <a:latin typeface="+mn-lt"/>
-              </a:rPr>
-              <a:t>Chebyshev’s Bounds</a:t>
-            </a:r>
             <a:endParaRPr lang="en-CA" dirty="0" smtClean="0">
               <a:latin typeface="+mn-lt"/>
             </a:endParaRPr>
@@ -8224,48 +7952,6 @@
             <a:pPr marL="457200" indent="-457200">
               <a:buAutoNum type="arabicPeriod"/>
             </a:pPr>
-            <a:r>
-              <a:rPr lang="en-CA" dirty="0" smtClean="0">
-                <a:latin typeface="+mn-lt"/>
-              </a:rPr>
-              <a:t>Standard Units</a:t>
-            </a:r>
-            <a:endParaRPr lang="en-CA" dirty="0" smtClean="0">
-              <a:latin typeface="+mn-lt"/>
-            </a:endParaRPr>
-          </a:p>
-          <a:p>
-            <a:pPr marL="457200" indent="-457200">
-              <a:buAutoNum type="arabicPeriod"/>
-            </a:pPr>
-            <a:r>
-              <a:rPr lang="en-CA" dirty="0" smtClean="0">
-                <a:latin typeface="+mn-lt"/>
-              </a:rPr>
-              <a:t>Normal Distribution</a:t>
-            </a:r>
-          </a:p>
-          <a:p>
-            <a:pPr marL="457200" indent="-457200">
-              <a:buAutoNum type="arabicPeriod"/>
-            </a:pPr>
-            <a:r>
-              <a:rPr lang="en-CA" dirty="0" smtClean="0">
-                <a:latin typeface="+mn-lt"/>
-              </a:rPr>
-              <a:t>Central Limit Theorem</a:t>
-            </a:r>
-          </a:p>
-          <a:p>
-            <a:pPr marL="457200" indent="-457200">
-              <a:buAutoNum type="arabicPeriod"/>
-            </a:pPr>
-            <a:r>
-              <a:rPr lang="en-CA" dirty="0" smtClean="0">
-                <a:latin typeface="+mn-lt"/>
-              </a:rPr>
-              <a:t>Distribution of Sample Means</a:t>
-            </a:r>
             <a:endParaRPr lang="en-CA" dirty="0" smtClean="0">
               <a:latin typeface="+mn-lt"/>
             </a:endParaRPr>
@@ -8333,7 +8019,7 @@
               <a:rPr lang="en-CA" dirty="0" smtClean="0">
                 <a:latin typeface="+mn-lt"/>
               </a:rPr>
-              <a:t>Skewness</a:t>
+              <a:t>The Bootstrap</a:t>
             </a:r>
             <a:endParaRPr lang="en-CA" dirty="0">
               <a:latin typeface="+mn-lt"/>
@@ -8365,51 +8051,41 @@
               <a:rPr lang="en-CA" dirty="0" smtClean="0">
                 <a:latin typeface="+mn-lt"/>
               </a:rPr>
-              <a:t>Left skew</a:t>
-            </a:r>
-          </a:p>
-          <a:p>
-            <a:pPr lvl="1"/>
+              <a:t>If the original sample is large and selected at random, it likely resembles the population</a:t>
+            </a:r>
+          </a:p>
+          <a:p>
             <a:r>
               <a:rPr lang="en-CA" dirty="0" smtClean="0">
                 <a:latin typeface="+mn-lt"/>
               </a:rPr>
-              <a:t>Long left tail</a:t>
-            </a:r>
-          </a:p>
-          <a:p>
-            <a:pPr lvl="1"/>
+              <a:t>Instead of getting entirely new samples from the population, we resample from the original sample</a:t>
+            </a:r>
+          </a:p>
+          <a:p>
             <a:r>
               <a:rPr lang="en-CA" dirty="0" smtClean="0">
                 <a:latin typeface="+mn-lt"/>
               </a:rPr>
-              <a:t>Mean &lt; Median</a:t>
-            </a:r>
-          </a:p>
-          <a:p>
+              <a:t>Resample same number of individuals </a:t>
+            </a:r>
+            <a:r>
+              <a:rPr lang="en-CA" b="1" dirty="0" smtClean="0">
+                <a:latin typeface="+mn-lt"/>
+              </a:rPr>
+              <a:t>with replacement</a:t>
+            </a:r>
+            <a:endParaRPr lang="en-CA" dirty="0" smtClean="0">
+              <a:latin typeface="+mn-lt"/>
+            </a:endParaRPr>
+          </a:p>
+          <a:p>
+            <a:pPr lvl="1"/>
             <a:r>
               <a:rPr lang="en-CA" dirty="0" smtClean="0">
                 <a:latin typeface="+mn-lt"/>
               </a:rPr>
-              <a:t>Right skew</a:t>
-            </a:r>
-          </a:p>
-          <a:p>
-            <a:pPr lvl="1"/>
-            <a:r>
-              <a:rPr lang="en-CA" dirty="0" smtClean="0">
-                <a:latin typeface="+mn-lt"/>
-              </a:rPr>
-              <a:t>Long right tail</a:t>
-            </a:r>
-          </a:p>
-          <a:p>
-            <a:pPr lvl="1"/>
-            <a:r>
-              <a:rPr lang="en-CA" dirty="0" smtClean="0">
-                <a:latin typeface="+mn-lt"/>
-              </a:rPr>
-              <a:t>Mean &gt; Median</a:t>
+              <a:t>If we sample without replacement, we will always get the sample original sample back!</a:t>
             </a:r>
           </a:p>
           <a:p>
@@ -8480,7 +8156,7 @@
               <a:rPr lang="en-CA" dirty="0" smtClean="0">
                 <a:latin typeface="+mn-lt"/>
               </a:rPr>
-              <a:t>Variability</a:t>
+              <a:t>Confidence Interval</a:t>
             </a:r>
             <a:endParaRPr lang="en-CA" dirty="0">
               <a:latin typeface="+mn-lt"/>
@@ -8501,7 +8177,7 @@
         <p:spPr>
           <a:xfrm>
             <a:off x="457200" y="1756947"/>
-            <a:ext cx="8286750" cy="3300828"/>
+            <a:ext cx="8286750" cy="4043778"/>
           </a:xfrm>
         </p:spPr>
         <p:txBody>
@@ -8514,7 +8190,7 @@
               <a:rPr lang="en-CA" dirty="0" smtClean="0">
                 <a:latin typeface="+mn-lt"/>
               </a:rPr>
-              <a:t>Variance: How spread out is the data?</a:t>
+              <a:t>Interval of estimates of a population parameter</a:t>
             </a:r>
           </a:p>
           <a:p>
@@ -8522,16 +8198,15 @@
               <a:rPr lang="en-CA" dirty="0" smtClean="0">
                 <a:latin typeface="+mn-lt"/>
               </a:rPr>
-              <a:t>Standard Deviation: Square root of the variance</a:t>
-            </a:r>
-          </a:p>
-          <a:p>
-            <a:pPr lvl="1"/>
+              <a:t>A 95% confidence interval means if we create 100 confidence intervals from different samples, we expect 95 of them to contain the true population parameter</a:t>
+            </a:r>
+          </a:p>
+          <a:p>
             <a:r>
               <a:rPr lang="en-CA" dirty="0" smtClean="0">
                 <a:latin typeface="+mn-lt"/>
               </a:rPr>
-              <a:t>Same unit as the data</a:t>
+              <a:t>It does NOT mean that there is a 95% probability the true population parameter is in a confidence interval!!</a:t>
             </a:r>
           </a:p>
           <a:p>
@@ -8540,8 +8215,14 @@
               <a:rPr lang="en-CA" dirty="0" smtClean="0">
                 <a:latin typeface="+mn-lt"/>
               </a:rPr>
-              <a:t>The larger the SD, the more spread out the data is</a:t>
-            </a:r>
+              <a:t>The population parameter is a constant. Once an interval is created, it either has the parameter or not</a:t>
+            </a:r>
+          </a:p>
+          <a:p>
+            <a:pPr lvl="1"/>
+            <a:endParaRPr lang="en-CA" dirty="0" smtClean="0">
+              <a:latin typeface="+mn-lt"/>
+            </a:endParaRPr>
           </a:p>
         </p:txBody>
       </p:sp>
@@ -8606,7 +8287,7 @@
               <a:rPr lang="en-CA" dirty="0" smtClean="0">
                 <a:latin typeface="+mn-lt"/>
               </a:rPr>
-              <a:t>Chebyshev’s Bounds</a:t>
+              <a:t>Confidence Interval</a:t>
             </a:r>
             <a:endParaRPr lang="en-CA" dirty="0">
               <a:latin typeface="+mn-lt"/>
@@ -8627,7 +8308,7 @@
         <p:spPr>
           <a:xfrm>
             <a:off x="457200" y="1756947"/>
-            <a:ext cx="8286750" cy="3300828"/>
+            <a:ext cx="8286750" cy="4043778"/>
           </a:xfrm>
         </p:spPr>
         <p:txBody>
@@ -8636,427 +8317,58 @@
           </a:bodyPr>
           <a:lstStyle/>
           <a:p>
-            <a:r>
-              <a:rPr lang="en-CA" dirty="0" smtClean="0">
-                <a:latin typeface="+mn-lt"/>
-              </a:rPr>
-              <a:t>Regardless of the distribution, the </a:t>
-            </a:r>
-            <a:r>
-              <a:rPr lang="en-CA" dirty="0">
-                <a:latin typeface="+mn-lt"/>
-              </a:rPr>
-              <a:t>proportion of values in the range “average ± </a:t>
-            </a:r>
-            <a:r>
-              <a:rPr lang="en-CA" i="1" dirty="0">
-                <a:latin typeface="+mn-lt"/>
-              </a:rPr>
-              <a:t>z</a:t>
-            </a:r>
-            <a:r>
-              <a:rPr lang="en-CA" dirty="0">
-                <a:latin typeface="+mn-lt"/>
-              </a:rPr>
-              <a:t> SDs” </a:t>
-            </a:r>
-            <a:r>
-              <a:rPr lang="en-CA" dirty="0" smtClean="0">
-                <a:latin typeface="+mn-lt"/>
-              </a:rPr>
-              <a:t>is at </a:t>
-            </a:r>
-            <a:r>
-              <a:rPr lang="en-CA" dirty="0">
-                <a:latin typeface="+mn-lt"/>
-              </a:rPr>
-              <a:t>least 1 - </a:t>
-            </a:r>
-            <a:r>
-              <a:rPr lang="en-CA" dirty="0" smtClean="0">
-                <a:latin typeface="+mn-lt"/>
-              </a:rPr>
-              <a:t>1/</a:t>
-            </a:r>
-            <a:r>
-              <a:rPr lang="en-CA" i="1" dirty="0" smtClean="0">
-                <a:latin typeface="+mn-lt"/>
-              </a:rPr>
-              <a:t>z</a:t>
-            </a:r>
-            <a:r>
-              <a:rPr lang="en-CA" dirty="0" smtClean="0">
-                <a:latin typeface="+mn-lt"/>
-              </a:rPr>
-              <a:t>²</a:t>
-            </a:r>
-            <a:endParaRPr lang="en-CA" dirty="0">
+            <a:pPr lvl="1"/>
+            <a:endParaRPr lang="en-CA" dirty="0" smtClean="0">
               <a:latin typeface="+mn-lt"/>
             </a:endParaRPr>
           </a:p>
-          <a:p>
-            <a:endParaRPr lang="en-CA" dirty="0">
-              <a:latin typeface="+mn-lt"/>
-            </a:endParaRPr>
-          </a:p>
         </p:txBody>
       </p:sp>
-      <p:graphicFrame>
-        <p:nvGraphicFramePr>
-          <p:cNvPr id="5" name="Table 4"/>
-          <p:cNvGraphicFramePr>
-            <a:graphicFrameLocks noGrp="1"/>
-          </p:cNvGraphicFramePr>
-          <p:nvPr>
-            <p:extLst>
-              <p:ext uri="{D42A27DB-BD31-4B8C-83A1-F6EECF244321}">
-                <p14:modId xmlns:p14="http://schemas.microsoft.com/office/powerpoint/2010/main" val="293445711"/>
-              </p:ext>
-            </p:extLst>
-          </p:nvPr>
-        </p:nvGraphicFramePr>
-        <p:xfrm>
-          <a:off x="581024" y="2682875"/>
-          <a:ext cx="8124826" cy="2590800"/>
-        </p:xfrm>
-        <a:graphic>
-          <a:graphicData uri="http://schemas.openxmlformats.org/drawingml/2006/table">
-            <a:tbl>
-              <a:tblPr firstRow="1" bandRow="1">
-                <a:tableStyleId>{5C22544A-7EE6-4342-B048-85BDC9FD1C3A}</a:tableStyleId>
-              </a:tblPr>
-              <a:tblGrid>
-                <a:gridCol w="4062413"/>
-                <a:gridCol w="4062413"/>
-              </a:tblGrid>
-              <a:tr h="370840">
-                <a:tc>
-                  <a:txBody>
-                    <a:bodyPr/>
-                    <a:lstStyle/>
-                    <a:p>
-                      <a:pPr algn="ctr" rtl="0" fontAlgn="t">
-                        <a:spcBef>
-                          <a:spcPts val="0"/>
-                        </a:spcBef>
-                        <a:spcAft>
-                          <a:spcPts val="0"/>
-                        </a:spcAft>
-                      </a:pPr>
-                      <a:r>
-                        <a:rPr lang="en-CA" sz="2400" b="1" i="0" u="none" strike="noStrike" dirty="0">
-                          <a:solidFill>
-                            <a:srgbClr val="000000"/>
-                          </a:solidFill>
-                          <a:effectLst/>
-                          <a:latin typeface="+mn-lt"/>
-                        </a:rPr>
-                        <a:t>Range</a:t>
-                      </a:r>
-                      <a:endParaRPr lang="en-CA" dirty="0">
-                        <a:effectLst/>
-                        <a:latin typeface="+mn-lt"/>
-                      </a:endParaRPr>
-                    </a:p>
-                  </a:txBody>
-                  <a:tcPr marL="76200" marR="76200" marT="76200" marB="76200"/>
-                </a:tc>
-                <a:tc>
-                  <a:txBody>
-                    <a:bodyPr/>
-                    <a:lstStyle/>
-                    <a:p>
-                      <a:pPr algn="ctr" rtl="0" fontAlgn="t">
-                        <a:spcBef>
-                          <a:spcPts val="0"/>
-                        </a:spcBef>
-                        <a:spcAft>
-                          <a:spcPts val="0"/>
-                        </a:spcAft>
-                      </a:pPr>
-                      <a:r>
-                        <a:rPr lang="en-CA" sz="2400" b="1" i="0" u="none" strike="noStrike">
-                          <a:solidFill>
-                            <a:srgbClr val="000000"/>
-                          </a:solidFill>
-                          <a:effectLst/>
-                          <a:latin typeface="+mn-lt"/>
-                        </a:rPr>
-                        <a:t>Proportion</a:t>
-                      </a:r>
-                      <a:endParaRPr lang="en-CA">
-                        <a:effectLst/>
-                        <a:latin typeface="+mn-lt"/>
-                      </a:endParaRPr>
-                    </a:p>
-                  </a:txBody>
-                  <a:tcPr marL="76200" marR="76200" marT="76200" marB="76200"/>
-                </a:tc>
-              </a:tr>
-              <a:tr h="370840">
-                <a:tc>
-                  <a:txBody>
-                    <a:bodyPr/>
-                    <a:lstStyle/>
-                    <a:p>
-                      <a:pPr algn="ctr" rtl="0" fontAlgn="t">
-                        <a:spcBef>
-                          <a:spcPts val="0"/>
-                        </a:spcBef>
-                        <a:spcAft>
-                          <a:spcPts val="0"/>
-                        </a:spcAft>
-                      </a:pPr>
-                      <a:r>
-                        <a:rPr lang="en-CA" sz="2400" b="0" i="0" u="none" strike="noStrike">
-                          <a:solidFill>
-                            <a:srgbClr val="000000"/>
-                          </a:solidFill>
-                          <a:effectLst/>
-                          <a:latin typeface="+mn-lt"/>
-                        </a:rPr>
-                        <a:t>average ± 2 SDs</a:t>
-                      </a:r>
-                      <a:endParaRPr lang="en-CA">
-                        <a:effectLst/>
-                        <a:latin typeface="+mn-lt"/>
-                      </a:endParaRPr>
-                    </a:p>
-                  </a:txBody>
-                  <a:tcPr marL="76200" marR="76200" marT="76200" marB="76200"/>
-                </a:tc>
-                <a:tc>
-                  <a:txBody>
-                    <a:bodyPr/>
-                    <a:lstStyle/>
-                    <a:p>
-                      <a:pPr algn="ctr" rtl="0" fontAlgn="t">
-                        <a:spcBef>
-                          <a:spcPts val="0"/>
-                        </a:spcBef>
-                        <a:spcAft>
-                          <a:spcPts val="0"/>
-                        </a:spcAft>
-                      </a:pPr>
-                      <a:r>
-                        <a:rPr lang="en-CA" sz="2400" b="0" i="0" u="none" strike="noStrike">
-                          <a:solidFill>
-                            <a:srgbClr val="000000"/>
-                          </a:solidFill>
-                          <a:effectLst/>
-                          <a:latin typeface="+mn-lt"/>
-                        </a:rPr>
-                        <a:t>at least 1 - 1/4   (75%)</a:t>
-                      </a:r>
-                      <a:endParaRPr lang="en-CA">
-                        <a:effectLst/>
-                        <a:latin typeface="+mn-lt"/>
-                      </a:endParaRPr>
-                    </a:p>
-                  </a:txBody>
-                  <a:tcPr marL="76200" marR="76200" marT="76200" marB="76200"/>
-                </a:tc>
-              </a:tr>
-              <a:tr h="370840">
-                <a:tc>
-                  <a:txBody>
-                    <a:bodyPr/>
-                    <a:lstStyle/>
-                    <a:p>
-                      <a:pPr algn="ctr" rtl="0" fontAlgn="t">
-                        <a:spcBef>
-                          <a:spcPts val="0"/>
-                        </a:spcBef>
-                        <a:spcAft>
-                          <a:spcPts val="0"/>
-                        </a:spcAft>
-                      </a:pPr>
-                      <a:r>
-                        <a:rPr lang="en-CA" sz="2400" b="0" i="0" u="none" strike="noStrike">
-                          <a:solidFill>
-                            <a:srgbClr val="000000"/>
-                          </a:solidFill>
-                          <a:effectLst/>
-                          <a:latin typeface="+mn-lt"/>
-                        </a:rPr>
-                        <a:t>average ± 3 SDs</a:t>
-                      </a:r>
-                      <a:endParaRPr lang="en-CA">
-                        <a:effectLst/>
-                        <a:latin typeface="+mn-lt"/>
-                      </a:endParaRPr>
-                    </a:p>
-                  </a:txBody>
-                  <a:tcPr marL="76200" marR="76200" marT="76200" marB="76200"/>
-                </a:tc>
-                <a:tc>
-                  <a:txBody>
-                    <a:bodyPr/>
-                    <a:lstStyle/>
-                    <a:p>
-                      <a:pPr algn="ctr" rtl="0" fontAlgn="t">
-                        <a:spcBef>
-                          <a:spcPts val="0"/>
-                        </a:spcBef>
-                        <a:spcAft>
-                          <a:spcPts val="0"/>
-                        </a:spcAft>
-                      </a:pPr>
-                      <a:r>
-                        <a:rPr lang="en-CA" sz="2400" b="0" i="0" u="none" strike="noStrike" dirty="0">
-                          <a:solidFill>
-                            <a:srgbClr val="000000"/>
-                          </a:solidFill>
-                          <a:effectLst/>
-                          <a:latin typeface="+mn-lt"/>
-                        </a:rPr>
-                        <a:t>at least 1 - 1/9   (88.888…%)</a:t>
-                      </a:r>
-                      <a:endParaRPr lang="en-CA" dirty="0">
-                        <a:effectLst/>
-                        <a:latin typeface="+mn-lt"/>
-                      </a:endParaRPr>
-                    </a:p>
-                  </a:txBody>
-                  <a:tcPr marL="76200" marR="76200" marT="76200" marB="76200"/>
-                </a:tc>
-              </a:tr>
-              <a:tr h="370840">
-                <a:tc>
-                  <a:txBody>
-                    <a:bodyPr/>
-                    <a:lstStyle/>
-                    <a:p>
-                      <a:pPr algn="ctr" rtl="0" fontAlgn="t">
-                        <a:spcBef>
-                          <a:spcPts val="0"/>
-                        </a:spcBef>
-                        <a:spcAft>
-                          <a:spcPts val="0"/>
-                        </a:spcAft>
-                      </a:pPr>
-                      <a:r>
-                        <a:rPr lang="en-CA" sz="2400" b="0" i="0" u="none" strike="noStrike" dirty="0">
-                          <a:solidFill>
-                            <a:srgbClr val="000000"/>
-                          </a:solidFill>
-                          <a:effectLst/>
-                          <a:latin typeface="+mn-lt"/>
-                        </a:rPr>
-                        <a:t>average ± 4 SDs</a:t>
-                      </a:r>
-                      <a:endParaRPr lang="en-CA" dirty="0">
-                        <a:effectLst/>
-                        <a:latin typeface="+mn-lt"/>
-                      </a:endParaRPr>
-                    </a:p>
-                  </a:txBody>
-                  <a:tcPr marL="76200" marR="76200" marT="76200" marB="76200"/>
-                </a:tc>
-                <a:tc>
-                  <a:txBody>
-                    <a:bodyPr/>
-                    <a:lstStyle/>
-                    <a:p>
-                      <a:pPr algn="ctr" rtl="0" fontAlgn="t">
-                        <a:spcBef>
-                          <a:spcPts val="0"/>
-                        </a:spcBef>
-                        <a:spcAft>
-                          <a:spcPts val="0"/>
-                        </a:spcAft>
-                      </a:pPr>
-                      <a:r>
-                        <a:rPr lang="en-CA" sz="2400" b="0" i="0" u="none" strike="noStrike">
-                          <a:solidFill>
-                            <a:srgbClr val="000000"/>
-                          </a:solidFill>
-                          <a:effectLst/>
-                          <a:latin typeface="+mn-lt"/>
-                        </a:rPr>
-                        <a:t>at least 1 - 1/16 (93.75%)</a:t>
-                      </a:r>
-                      <a:endParaRPr lang="en-CA">
-                        <a:effectLst/>
-                        <a:latin typeface="+mn-lt"/>
-                      </a:endParaRPr>
-                    </a:p>
-                  </a:txBody>
-                  <a:tcPr marL="76200" marR="76200" marT="76200" marB="76200"/>
-                </a:tc>
-              </a:tr>
-              <a:tr h="370840">
-                <a:tc>
-                  <a:txBody>
-                    <a:bodyPr/>
-                    <a:lstStyle/>
-                    <a:p>
-                      <a:pPr algn="ctr" rtl="0" fontAlgn="t">
-                        <a:spcBef>
-                          <a:spcPts val="0"/>
-                        </a:spcBef>
-                        <a:spcAft>
-                          <a:spcPts val="0"/>
-                        </a:spcAft>
-                      </a:pPr>
-                      <a:r>
-                        <a:rPr lang="en-CA" sz="2400" b="0" i="0" u="none" strike="noStrike">
-                          <a:solidFill>
-                            <a:srgbClr val="000000"/>
-                          </a:solidFill>
-                          <a:effectLst/>
-                          <a:latin typeface="+mn-lt"/>
-                        </a:rPr>
-                        <a:t>average ± 5 SDs</a:t>
-                      </a:r>
-                      <a:endParaRPr lang="en-CA">
-                        <a:effectLst/>
-                        <a:latin typeface="+mn-lt"/>
-                      </a:endParaRPr>
-                    </a:p>
-                  </a:txBody>
-                  <a:tcPr marL="76200" marR="76200" marT="76200" marB="76200"/>
-                </a:tc>
-                <a:tc>
-                  <a:txBody>
-                    <a:bodyPr/>
-                    <a:lstStyle/>
-                    <a:p>
-                      <a:pPr algn="ctr" rtl="0" fontAlgn="t">
-                        <a:spcBef>
-                          <a:spcPts val="0"/>
-                        </a:spcBef>
-                        <a:spcAft>
-                          <a:spcPts val="0"/>
-                        </a:spcAft>
-                      </a:pPr>
-                      <a:r>
-                        <a:rPr lang="en-CA" sz="2400" b="0" i="0" u="none" strike="noStrike" dirty="0">
-                          <a:solidFill>
-                            <a:srgbClr val="000000"/>
-                          </a:solidFill>
-                          <a:effectLst/>
-                          <a:latin typeface="+mn-lt"/>
-                        </a:rPr>
-                        <a:t>at least 1 - 1/25  (96%)</a:t>
-                      </a:r>
-                      <a:endParaRPr lang="en-CA" dirty="0">
-                        <a:effectLst/>
-                        <a:latin typeface="+mn-lt"/>
-                      </a:endParaRPr>
-                    </a:p>
-                  </a:txBody>
-                  <a:tcPr marL="76200" marR="76200" marT="76200" marB="76200"/>
-                </a:tc>
-              </a:tr>
-            </a:tbl>
-          </a:graphicData>
-        </a:graphic>
-      </p:graphicFrame>
+      <p:pic>
+        <p:nvPicPr>
+          <p:cNvPr id="7170" name="Picture 2" descr="https://lh4.googleusercontent.com/X7Y9Da4Q7WePdoFMwI6wzbVeqNuTHkHX3bJZF7PRs5r1nxA3L5GPE9TS7APKs2fOouSQ3fkH3RuaZ-q3Fw9LA49UZNZQZKPdf4VkkpnAsnshWItU4YAy0-Y8TR4kUwFr0yOWpIyfcv4"/>
+          <p:cNvPicPr>
+            <a:picLocks noChangeAspect="1" noChangeArrowheads="1"/>
+          </p:cNvPicPr>
+          <p:nvPr/>
+        </p:nvPicPr>
+        <p:blipFill>
+          <a:blip r:embed="rId2">
+            <a:extLst>
+              <a:ext uri="{28A0092B-C50C-407E-A947-70E740481C1C}">
+                <a14:useLocalDpi xmlns:a14="http://schemas.microsoft.com/office/drawing/2010/main" val="0"/>
+              </a:ext>
+            </a:extLst>
+          </a:blip>
+          <a:srcRect/>
+          <a:stretch>
+            <a:fillRect/>
+          </a:stretch>
+        </p:blipFill>
+        <p:spPr bwMode="auto">
+          <a:xfrm>
+            <a:off x="2228614" y="1478047"/>
+            <a:ext cx="4686773" cy="4322678"/>
+          </a:xfrm>
+          <a:prstGeom prst="rect">
+            <a:avLst/>
+          </a:prstGeom>
+          <a:noFill/>
+          <a:extLst>
+            <a:ext uri="{909E8E84-426E-40DD-AFC4-6F175D3DCCD1}">
+              <a14:hiddenFill xmlns:a14="http://schemas.microsoft.com/office/drawing/2010/main">
+                <a:solidFill>
+                  <a:srgbClr val="FFFFFF"/>
+                </a:solidFill>
+              </a14:hiddenFill>
+            </a:ext>
+          </a:extLst>
+        </p:spPr>
+      </p:pic>
     </p:spTree>
     <p:extLst>
       <p:ext uri="{BB962C8B-B14F-4D97-AF65-F5344CB8AC3E}">
-        <p14:creationId xmlns:p14="http://schemas.microsoft.com/office/powerpoint/2010/main" val="1680834413"/>
+        <p14:creationId xmlns:p14="http://schemas.microsoft.com/office/powerpoint/2010/main" val="2494202213"/>
       </p:ext>
     </p:extLst>
   </p:cSld>
@@ -9114,7 +8426,7 @@
               <a:rPr lang="en-CA" dirty="0" smtClean="0">
                 <a:latin typeface="+mn-lt"/>
               </a:rPr>
-              <a:t>Standard Units</a:t>
+              <a:t>Announcements</a:t>
             </a:r>
             <a:endParaRPr lang="en-CA" dirty="0">
               <a:latin typeface="+mn-lt"/>
@@ -9135,60 +8447,23 @@
         <p:spPr>
           <a:xfrm>
             <a:off x="457200" y="1756947"/>
-            <a:ext cx="8286750" cy="3300828"/>
+            <a:ext cx="8286750" cy="3596103"/>
           </a:xfrm>
         </p:spPr>
         <p:txBody>
-          <a:bodyPr>
-            <a:normAutofit/>
-          </a:bodyPr>
+          <a:bodyPr/>
           <a:lstStyle/>
           <a:p>
-            <a:r>
-              <a:rPr lang="en-CA" dirty="0" smtClean="0">
-                <a:latin typeface="+mn-lt"/>
-              </a:rPr>
-              <a:t>Standard Unit: Number of SD’s above or below average</a:t>
-            </a:r>
-          </a:p>
-          <a:p>
-            <a:r>
-              <a:rPr lang="en-CA" dirty="0" smtClean="0">
-                <a:latin typeface="+mn-lt"/>
-              </a:rPr>
-              <a:t>Allows us to easily compare different distributions and units</a:t>
-            </a:r>
-          </a:p>
-          <a:p>
-            <a:r>
-              <a:rPr lang="en-CA" dirty="0" smtClean="0">
-                <a:latin typeface="+mn-lt"/>
-              </a:rPr>
-              <a:t>Z = (value-average)/SD</a:t>
-            </a:r>
-          </a:p>
-          <a:p>
-            <a:r>
-              <a:rPr lang="en-CA" dirty="0" smtClean="0">
-                <a:latin typeface="+mn-lt"/>
-              </a:rPr>
-              <a:t>Average of standard units is always 0</a:t>
-            </a:r>
-          </a:p>
-          <a:p>
-            <a:r>
-              <a:rPr lang="en-CA" dirty="0" smtClean="0">
-                <a:latin typeface="+mn-lt"/>
-              </a:rPr>
-              <a:t>SD of standard units is always 1</a:t>
-            </a:r>
+            <a:endParaRPr lang="en-CA" dirty="0">
+              <a:latin typeface="+mn-lt"/>
+            </a:endParaRPr>
           </a:p>
         </p:txBody>
       </p:sp>
     </p:spTree>
     <p:extLst>
       <p:ext uri="{BB962C8B-B14F-4D97-AF65-F5344CB8AC3E}">
-        <p14:creationId xmlns:p14="http://schemas.microsoft.com/office/powerpoint/2010/main" val="3906708603"/>
+        <p14:creationId xmlns:p14="http://schemas.microsoft.com/office/powerpoint/2010/main" val="203414778"/>
       </p:ext>
     </p:extLst>
   </p:cSld>
@@ -9246,7 +8521,7 @@
               <a:rPr lang="en-CA" dirty="0" smtClean="0">
                 <a:latin typeface="+mn-lt"/>
               </a:rPr>
-              <a:t>Normal Distribution</a:t>
+              <a:t>Lab Notebook</a:t>
             </a:r>
             <a:endParaRPr lang="en-CA" dirty="0">
               <a:latin typeface="+mn-lt"/>
@@ -9267,814 +8542,29 @@
         <p:spPr>
           <a:xfrm>
             <a:off x="457200" y="1756947"/>
-            <a:ext cx="8286750" cy="3300828"/>
-          </a:xfrm>
-        </p:spPr>
-        <p:txBody>
-          <a:bodyPr>
-            <a:normAutofit/>
-          </a:bodyPr>
-          <a:lstStyle/>
-          <a:p>
-            <a:r>
-              <a:rPr lang="en-CA" dirty="0" smtClean="0">
-                <a:latin typeface="+mn-lt"/>
-              </a:rPr>
-              <a:t>An extremely common distribution in statistics, shaped like a bell curve</a:t>
-            </a:r>
-          </a:p>
-          <a:p>
-            <a:r>
-              <a:rPr lang="en-CA" dirty="0" smtClean="0">
-                <a:latin typeface="+mn-lt"/>
-              </a:rPr>
-              <a:t>Most of the data is within a few SD’s of the mean</a:t>
-            </a:r>
-            <a:endParaRPr lang="en-CA" dirty="0" smtClean="0">
-              <a:latin typeface="+mn-lt"/>
-            </a:endParaRPr>
-          </a:p>
-          <a:p>
-            <a:endParaRPr lang="en-CA" dirty="0" smtClean="0">
-              <a:latin typeface="+mn-lt"/>
-            </a:endParaRPr>
-          </a:p>
-        </p:txBody>
-      </p:sp>
-      <p:pic>
-        <p:nvPicPr>
-          <p:cNvPr id="8194" name="Picture 2" descr="https://lh6.googleusercontent.com/0biU_gJtBBd5-Xp0vUSiJJP7xz3e1edxeKloUPxKwtdtGZnI7bz4xwNAkFNS59vdsRrsqfeXP9hfflatsjzVuJTCFm2YGM3C2yw56-lWVMWbS4yRorqdopHi3SrAjD8DGFJDGW2Sh2I"/>
-          <p:cNvPicPr>
-            <a:picLocks noChangeAspect="1" noChangeArrowheads="1"/>
-          </p:cNvPicPr>
-          <p:nvPr/>
-        </p:nvPicPr>
-        <p:blipFill>
-          <a:blip r:embed="rId2">
-            <a:extLst>
-              <a:ext uri="{28A0092B-C50C-407E-A947-70E740481C1C}">
-                <a14:useLocalDpi xmlns:a14="http://schemas.microsoft.com/office/drawing/2010/main" val="0"/>
-              </a:ext>
-            </a:extLst>
-          </a:blip>
-          <a:srcRect/>
-          <a:stretch>
-            <a:fillRect/>
-          </a:stretch>
-        </p:blipFill>
-        <p:spPr bwMode="auto">
-          <a:xfrm>
-            <a:off x="2578602" y="2952750"/>
-            <a:ext cx="3986796" cy="2795587"/>
-          </a:xfrm>
-          <a:prstGeom prst="rect">
-            <a:avLst/>
-          </a:prstGeom>
-          <a:noFill/>
-          <a:extLst>
-            <a:ext uri="{909E8E84-426E-40DD-AFC4-6F175D3DCCD1}">
-              <a14:hiddenFill xmlns:a14="http://schemas.microsoft.com/office/drawing/2010/main">
-                <a:solidFill>
-                  <a:srgbClr val="FFFFFF"/>
-                </a:solidFill>
-              </a14:hiddenFill>
-            </a:ext>
-          </a:extLst>
-        </p:spPr>
-      </p:pic>
-    </p:spTree>
-    <p:extLst>
-      <p:ext uri="{BB962C8B-B14F-4D97-AF65-F5344CB8AC3E}">
-        <p14:creationId xmlns:p14="http://schemas.microsoft.com/office/powerpoint/2010/main" val="1533473322"/>
-      </p:ext>
-    </p:extLst>
-  </p:cSld>
-  <p:clrMapOvr>
-    <a:masterClrMapping/>
-  </p:clrMapOvr>
-  <p:timing>
-    <p:tnLst>
-      <p:par>
-        <p:cTn id="1" dur="indefinite" restart="never" nodeType="tmRoot"/>
-      </p:par>
-    </p:tnLst>
-  </p:timing>
-</p:sld>
-</file>
-
-<file path=ppt/slides/slide8.xml><?xml version="1.0" encoding="utf-8"?>
-<p:sld xmlns:a="http://schemas.openxmlformats.org/drawingml/2006/main" xmlns:r="http://schemas.openxmlformats.org/officeDocument/2006/relationships" xmlns:p="http://schemas.openxmlformats.org/presentationml/2006/main">
-  <p:cSld>
-    <p:spTree>
-      <p:nvGrpSpPr>
-        <p:cNvPr id="1" name=""/>
-        <p:cNvGrpSpPr/>
-        <p:nvPr/>
-      </p:nvGrpSpPr>
-      <p:grpSpPr>
-        <a:xfrm>
-          <a:off x="0" y="0"/>
-          <a:ext cx="0" cy="0"/>
-          <a:chOff x="0" y="0"/>
-          <a:chExt cx="0" cy="0"/>
-        </a:xfrm>
-      </p:grpSpPr>
-      <p:sp>
-        <p:nvSpPr>
-          <p:cNvPr id="2" name="Title 1"/>
-          <p:cNvSpPr>
-            <a:spLocks noGrp="1"/>
-          </p:cNvSpPr>
-          <p:nvPr>
-            <p:ph type="title"/>
-          </p:nvPr>
-        </p:nvSpPr>
-        <p:spPr>
-          <a:xfrm>
-            <a:off x="457200" y="449932"/>
-            <a:ext cx="8286750" cy="1150353"/>
+            <a:ext cx="8286750" cy="3596103"/>
           </a:xfrm>
         </p:spPr>
         <p:txBody>
           <a:bodyPr/>
           <a:lstStyle/>
           <a:p>
-            <a:r>
-              <a:rPr lang="en-CA" dirty="0" smtClean="0">
-                <a:latin typeface="+mn-lt"/>
+            <a:pPr marL="0" indent="0">
+              <a:buNone/>
+            </a:pPr>
+            <a:r>
+              <a:rPr lang="en-CA" smtClean="0">
+                <a:latin typeface="Avenir LT Std 45 Book" pitchFamily="34" charset="0"/>
               </a:rPr>
-              <a:t>Normal Distribution (cont’d)</a:t>
-            </a:r>
-            <a:endParaRPr lang="en-CA" dirty="0">
-              <a:latin typeface="+mn-lt"/>
-            </a:endParaRPr>
-          </a:p>
-        </p:txBody>
-      </p:sp>
-      <p:sp>
-        <p:nvSpPr>
-          <p:cNvPr id="3" name="Content Placeholder 2"/>
-          <p:cNvSpPr>
-            <a:spLocks noGrp="1"/>
-          </p:cNvSpPr>
-          <p:nvPr>
-            <p:ph idx="1"/>
-          </p:nvPr>
-        </p:nvSpPr>
-        <p:spPr>
-          <a:xfrm>
-            <a:off x="457200" y="1756947"/>
-            <a:ext cx="8286750" cy="3300828"/>
-          </a:xfrm>
-        </p:spPr>
-        <p:txBody>
-          <a:bodyPr>
-            <a:normAutofit/>
-          </a:bodyPr>
-          <a:lstStyle/>
-          <a:p>
-            <a:endParaRPr lang="en-CA" dirty="0" smtClean="0">
-              <a:latin typeface="+mn-lt"/>
-            </a:endParaRPr>
-          </a:p>
-        </p:txBody>
-      </p:sp>
-      <p:graphicFrame>
-        <p:nvGraphicFramePr>
-          <p:cNvPr id="6" name="Table 5"/>
-          <p:cNvGraphicFramePr>
-            <a:graphicFrameLocks noGrp="1"/>
-          </p:cNvGraphicFramePr>
-          <p:nvPr>
-            <p:extLst>
-              <p:ext uri="{D42A27DB-BD31-4B8C-83A1-F6EECF244321}">
-                <p14:modId xmlns:p14="http://schemas.microsoft.com/office/powerpoint/2010/main" val="130063947"/>
-              </p:ext>
-            </p:extLst>
-          </p:nvPr>
-        </p:nvGraphicFramePr>
-        <p:xfrm>
-          <a:off x="581024" y="1810922"/>
-          <a:ext cx="8124825" cy="1889760"/>
-        </p:xfrm>
-        <a:graphic>
-          <a:graphicData uri="http://schemas.openxmlformats.org/drawingml/2006/table">
-            <a:tbl>
-              <a:tblPr firstRow="1" bandRow="1">
-                <a:tableStyleId>{5C22544A-7EE6-4342-B048-85BDC9FD1C3A}</a:tableStyleId>
-              </a:tblPr>
-              <a:tblGrid>
-                <a:gridCol w="2708275"/>
-                <a:gridCol w="2708275"/>
-                <a:gridCol w="2708275"/>
-              </a:tblGrid>
-              <a:tr h="370840">
-                <a:tc>
-                  <a:txBody>
-                    <a:bodyPr/>
-                    <a:lstStyle/>
-                    <a:p>
-                      <a:pPr algn="ctr" rtl="0" fontAlgn="t">
-                        <a:spcBef>
-                          <a:spcPts val="0"/>
-                        </a:spcBef>
-                        <a:spcAft>
-                          <a:spcPts val="0"/>
-                        </a:spcAft>
-                      </a:pPr>
-                      <a:r>
-                        <a:rPr lang="en-CA" sz="2100" b="1" i="0" u="none" strike="noStrike" dirty="0">
-                          <a:solidFill>
-                            <a:srgbClr val="000000"/>
-                          </a:solidFill>
-                          <a:effectLst/>
-                          <a:latin typeface="+mn-lt"/>
-                        </a:rPr>
-                        <a:t>Range</a:t>
-                      </a:r>
-                      <a:endParaRPr lang="en-CA" sz="2100" dirty="0">
-                        <a:effectLst/>
-                        <a:latin typeface="+mn-lt"/>
-                      </a:endParaRPr>
-                    </a:p>
-                  </a:txBody>
-                  <a:tcPr marL="76200" marR="76200" marT="76200" marB="76200"/>
-                </a:tc>
-                <a:tc>
-                  <a:txBody>
-                    <a:bodyPr/>
-                    <a:lstStyle/>
-                    <a:p>
-                      <a:pPr algn="ctr" rtl="0" fontAlgn="t">
-                        <a:spcBef>
-                          <a:spcPts val="0"/>
-                        </a:spcBef>
-                        <a:spcAft>
-                          <a:spcPts val="0"/>
-                        </a:spcAft>
-                      </a:pPr>
-                      <a:r>
-                        <a:rPr lang="en-CA" sz="2100" b="1" i="0" u="none" strike="noStrike" dirty="0" smtClean="0">
-                          <a:solidFill>
-                            <a:srgbClr val="000000"/>
-                          </a:solidFill>
-                          <a:effectLst/>
-                          <a:latin typeface="+mn-lt"/>
-                        </a:rPr>
-                        <a:t>All Distributions</a:t>
-                      </a:r>
-                      <a:endParaRPr lang="en-CA" sz="2100" dirty="0">
-                        <a:effectLst/>
-                        <a:latin typeface="+mn-lt"/>
-                      </a:endParaRPr>
-                    </a:p>
-                  </a:txBody>
-                  <a:tcPr marL="76200" marR="76200" marT="76200" marB="76200"/>
-                </a:tc>
-                <a:tc>
-                  <a:txBody>
-                    <a:bodyPr/>
-                    <a:lstStyle/>
-                    <a:p>
-                      <a:pPr algn="ctr" rtl="0" fontAlgn="t">
-                        <a:spcBef>
-                          <a:spcPts val="0"/>
-                        </a:spcBef>
-                        <a:spcAft>
-                          <a:spcPts val="0"/>
-                        </a:spcAft>
-                      </a:pPr>
-                      <a:r>
-                        <a:rPr lang="en-CA" sz="2100" b="1" i="0" u="none" strike="noStrike" dirty="0" smtClean="0">
-                          <a:solidFill>
-                            <a:srgbClr val="000000"/>
-                          </a:solidFill>
-                          <a:effectLst/>
-                          <a:latin typeface="+mn-lt"/>
-                        </a:rPr>
-                        <a:t>Normal</a:t>
-                      </a:r>
-                      <a:endParaRPr lang="en-CA" sz="2100" dirty="0">
-                        <a:effectLst/>
-                        <a:latin typeface="+mn-lt"/>
-                      </a:endParaRPr>
-                    </a:p>
-                  </a:txBody>
-                  <a:tcPr marL="76200" marR="76200" marT="76200" marB="76200"/>
-                </a:tc>
-              </a:tr>
-              <a:tr h="370840">
-                <a:tc>
-                  <a:txBody>
-                    <a:bodyPr/>
-                    <a:lstStyle/>
-                    <a:p>
-                      <a:pPr algn="ctr" rtl="0" fontAlgn="t">
-                        <a:spcBef>
-                          <a:spcPts val="0"/>
-                        </a:spcBef>
-                        <a:spcAft>
-                          <a:spcPts val="0"/>
-                        </a:spcAft>
-                      </a:pPr>
-                      <a:r>
-                        <a:rPr lang="en-CA" sz="2100" b="0" i="0" u="none" strike="noStrike" dirty="0">
-                          <a:solidFill>
-                            <a:srgbClr val="000000"/>
-                          </a:solidFill>
-                          <a:effectLst/>
-                          <a:latin typeface="+mn-lt"/>
-                        </a:rPr>
-                        <a:t>average ± 2 SDs</a:t>
-                      </a:r>
-                      <a:endParaRPr lang="en-CA" sz="2100" dirty="0">
-                        <a:effectLst/>
-                        <a:latin typeface="+mn-lt"/>
-                      </a:endParaRPr>
-                    </a:p>
-                  </a:txBody>
-                  <a:tcPr marL="76200" marR="76200" marT="76200" marB="76200"/>
-                </a:tc>
-                <a:tc>
-                  <a:txBody>
-                    <a:bodyPr/>
-                    <a:lstStyle/>
-                    <a:p>
-                      <a:pPr algn="ctr" rtl="0" fontAlgn="t">
-                        <a:spcBef>
-                          <a:spcPts val="0"/>
-                        </a:spcBef>
-                        <a:spcAft>
-                          <a:spcPts val="0"/>
-                        </a:spcAft>
-                      </a:pPr>
-                      <a:r>
-                        <a:rPr lang="en-CA" sz="2100" b="0" i="0" u="none" strike="noStrike" dirty="0">
-                          <a:solidFill>
-                            <a:srgbClr val="000000"/>
-                          </a:solidFill>
-                          <a:effectLst/>
-                          <a:latin typeface="+mn-lt"/>
-                        </a:rPr>
-                        <a:t>at least </a:t>
-                      </a:r>
-                      <a:r>
-                        <a:rPr lang="en-CA" sz="2100" b="0" i="0" u="none" strike="noStrike" dirty="0" smtClean="0">
-                          <a:solidFill>
-                            <a:srgbClr val="000000"/>
-                          </a:solidFill>
-                          <a:effectLst/>
-                          <a:latin typeface="+mn-lt"/>
-                        </a:rPr>
-                        <a:t>0%</a:t>
-                      </a:r>
-                      <a:endParaRPr lang="en-CA" sz="2100" dirty="0">
-                        <a:effectLst/>
-                        <a:latin typeface="+mn-lt"/>
-                      </a:endParaRPr>
-                    </a:p>
-                  </a:txBody>
-                  <a:tcPr marL="76200" marR="76200" marT="76200" marB="76200"/>
-                </a:tc>
-                <a:tc>
-                  <a:txBody>
-                    <a:bodyPr/>
-                    <a:lstStyle/>
-                    <a:p>
-                      <a:pPr algn="ctr" rtl="0" fontAlgn="t">
-                        <a:spcBef>
-                          <a:spcPts val="0"/>
-                        </a:spcBef>
-                        <a:spcAft>
-                          <a:spcPts val="0"/>
-                        </a:spcAft>
-                      </a:pPr>
-                      <a:r>
-                        <a:rPr lang="en-CA" sz="2100" b="0" i="0" u="none" strike="noStrike" dirty="0" smtClean="0">
-                          <a:solidFill>
-                            <a:srgbClr val="000000"/>
-                          </a:solidFill>
-                          <a:effectLst/>
-                          <a:latin typeface="+mn-lt"/>
-                        </a:rPr>
-                        <a:t>68%</a:t>
-                      </a:r>
-                      <a:endParaRPr lang="en-CA" sz="2100" dirty="0">
-                        <a:effectLst/>
-                        <a:latin typeface="+mn-lt"/>
-                      </a:endParaRPr>
-                    </a:p>
-                  </a:txBody>
-                  <a:tcPr marL="76200" marR="76200" marT="76200" marB="76200"/>
-                </a:tc>
-              </a:tr>
-              <a:tr h="370840">
-                <a:tc>
-                  <a:txBody>
-                    <a:bodyPr/>
-                    <a:lstStyle/>
-                    <a:p>
-                      <a:pPr algn="ctr" rtl="0" fontAlgn="t">
-                        <a:spcBef>
-                          <a:spcPts val="0"/>
-                        </a:spcBef>
-                        <a:spcAft>
-                          <a:spcPts val="0"/>
-                        </a:spcAft>
-                      </a:pPr>
-                      <a:r>
-                        <a:rPr lang="en-CA" sz="2100" b="0" i="0" u="none" strike="noStrike" dirty="0">
-                          <a:solidFill>
-                            <a:srgbClr val="000000"/>
-                          </a:solidFill>
-                          <a:effectLst/>
-                          <a:latin typeface="+mn-lt"/>
-                        </a:rPr>
-                        <a:t>average ± 2 SDs</a:t>
-                      </a:r>
-                      <a:endParaRPr lang="en-CA" sz="2100" dirty="0">
-                        <a:effectLst/>
-                        <a:latin typeface="+mn-lt"/>
-                      </a:endParaRPr>
-                    </a:p>
-                  </a:txBody>
-                  <a:tcPr marL="76200" marR="76200" marT="76200" marB="76200"/>
-                </a:tc>
-                <a:tc>
-                  <a:txBody>
-                    <a:bodyPr/>
-                    <a:lstStyle/>
-                    <a:p>
-                      <a:pPr algn="ctr" rtl="0" fontAlgn="t">
-                        <a:spcBef>
-                          <a:spcPts val="0"/>
-                        </a:spcBef>
-                        <a:spcAft>
-                          <a:spcPts val="0"/>
-                        </a:spcAft>
-                      </a:pPr>
-                      <a:r>
-                        <a:rPr lang="en-CA" sz="2100" b="0" i="0" u="none" strike="noStrike" dirty="0">
-                          <a:solidFill>
-                            <a:srgbClr val="000000"/>
-                          </a:solidFill>
-                          <a:effectLst/>
-                          <a:latin typeface="+mn-lt"/>
-                        </a:rPr>
-                        <a:t>at least </a:t>
-                      </a:r>
-                      <a:r>
-                        <a:rPr lang="en-CA" sz="2100" b="0" i="0" u="none" strike="noStrike" dirty="0" smtClean="0">
-                          <a:solidFill>
-                            <a:srgbClr val="000000"/>
-                          </a:solidFill>
-                          <a:effectLst/>
-                          <a:latin typeface="+mn-lt"/>
-                        </a:rPr>
-                        <a:t>75%</a:t>
-                      </a:r>
-                      <a:endParaRPr lang="en-CA" sz="2100" dirty="0">
-                        <a:effectLst/>
-                        <a:latin typeface="+mn-lt"/>
-                      </a:endParaRPr>
-                    </a:p>
-                  </a:txBody>
-                  <a:tcPr marL="76200" marR="76200" marT="76200" marB="76200"/>
-                </a:tc>
-                <a:tc>
-                  <a:txBody>
-                    <a:bodyPr/>
-                    <a:lstStyle/>
-                    <a:p>
-                      <a:pPr algn="ctr" rtl="0" fontAlgn="t">
-                        <a:spcBef>
-                          <a:spcPts val="0"/>
-                        </a:spcBef>
-                        <a:spcAft>
-                          <a:spcPts val="0"/>
-                        </a:spcAft>
-                      </a:pPr>
-                      <a:r>
-                        <a:rPr lang="en-CA" sz="2100" b="0" i="0" u="none" strike="noStrike" dirty="0" smtClean="0">
-                          <a:solidFill>
-                            <a:srgbClr val="000000"/>
-                          </a:solidFill>
-                          <a:effectLst/>
-                          <a:latin typeface="+mn-lt"/>
-                        </a:rPr>
-                        <a:t>95%</a:t>
-                      </a:r>
-                      <a:endParaRPr lang="en-CA" sz="2100" dirty="0">
-                        <a:effectLst/>
-                        <a:latin typeface="+mn-lt"/>
-                      </a:endParaRPr>
-                    </a:p>
-                  </a:txBody>
-                  <a:tcPr marL="76200" marR="76200" marT="76200" marB="76200"/>
-                </a:tc>
-              </a:tr>
-              <a:tr h="370840">
-                <a:tc>
-                  <a:txBody>
-                    <a:bodyPr/>
-                    <a:lstStyle/>
-                    <a:p>
-                      <a:pPr algn="ctr" rtl="0" fontAlgn="t">
-                        <a:spcBef>
-                          <a:spcPts val="0"/>
-                        </a:spcBef>
-                        <a:spcAft>
-                          <a:spcPts val="0"/>
-                        </a:spcAft>
-                      </a:pPr>
-                      <a:r>
-                        <a:rPr lang="en-CA" sz="2100" b="0" i="0" u="none" strike="noStrike">
-                          <a:solidFill>
-                            <a:srgbClr val="000000"/>
-                          </a:solidFill>
-                          <a:effectLst/>
-                          <a:latin typeface="+mn-lt"/>
-                        </a:rPr>
-                        <a:t>average ± 3 SDs</a:t>
-                      </a:r>
-                      <a:endParaRPr lang="en-CA" sz="2100">
-                        <a:effectLst/>
-                        <a:latin typeface="+mn-lt"/>
-                      </a:endParaRPr>
-                    </a:p>
-                  </a:txBody>
-                  <a:tcPr marL="76200" marR="76200" marT="76200" marB="76200"/>
-                </a:tc>
-                <a:tc>
-                  <a:txBody>
-                    <a:bodyPr/>
-                    <a:lstStyle/>
-                    <a:p>
-                      <a:pPr algn="ctr" rtl="0" fontAlgn="t">
-                        <a:spcBef>
-                          <a:spcPts val="0"/>
-                        </a:spcBef>
-                        <a:spcAft>
-                          <a:spcPts val="0"/>
-                        </a:spcAft>
-                      </a:pPr>
-                      <a:r>
-                        <a:rPr lang="en-CA" sz="2100" b="0" i="0" u="none" strike="noStrike" dirty="0">
-                          <a:solidFill>
-                            <a:srgbClr val="000000"/>
-                          </a:solidFill>
-                          <a:effectLst/>
-                          <a:latin typeface="+mn-lt"/>
-                        </a:rPr>
-                        <a:t>at least </a:t>
-                      </a:r>
-                      <a:r>
-                        <a:rPr lang="en-CA" sz="2100" b="0" i="0" u="none" strike="noStrike" dirty="0" smtClean="0">
-                          <a:solidFill>
-                            <a:srgbClr val="000000"/>
-                          </a:solidFill>
-                          <a:effectLst/>
-                          <a:latin typeface="+mn-lt"/>
-                        </a:rPr>
-                        <a:t>88.9%</a:t>
-                      </a:r>
-                      <a:endParaRPr lang="en-CA" sz="2100" dirty="0">
-                        <a:effectLst/>
-                        <a:latin typeface="+mn-lt"/>
-                      </a:endParaRPr>
-                    </a:p>
-                  </a:txBody>
-                  <a:tcPr marL="76200" marR="76200" marT="76200" marB="76200"/>
-                </a:tc>
-                <a:tc>
-                  <a:txBody>
-                    <a:bodyPr/>
-                    <a:lstStyle/>
-                    <a:p>
-                      <a:pPr algn="ctr" rtl="0" fontAlgn="t">
-                        <a:spcBef>
-                          <a:spcPts val="0"/>
-                        </a:spcBef>
-                        <a:spcAft>
-                          <a:spcPts val="0"/>
-                        </a:spcAft>
-                      </a:pPr>
-                      <a:r>
-                        <a:rPr lang="en-CA" sz="2100" b="0" i="0" u="none" strike="noStrike" dirty="0" smtClean="0">
-                          <a:solidFill>
-                            <a:srgbClr val="000000"/>
-                          </a:solidFill>
-                          <a:effectLst/>
-                          <a:latin typeface="+mn-lt"/>
-                        </a:rPr>
-                        <a:t>99.7%</a:t>
-                      </a:r>
-                      <a:endParaRPr lang="en-CA" sz="2100" dirty="0">
-                        <a:effectLst/>
-                        <a:latin typeface="+mn-lt"/>
-                      </a:endParaRPr>
-                    </a:p>
-                  </a:txBody>
-                  <a:tcPr marL="76200" marR="76200" marT="76200" marB="76200"/>
-                </a:tc>
-              </a:tr>
-            </a:tbl>
-          </a:graphicData>
-        </a:graphic>
-      </p:graphicFrame>
-      <p:pic>
-        <p:nvPicPr>
-          <p:cNvPr id="9220" name="Picture 4" descr="https://lh3.googleusercontent.com/prQ5adsgknYOJg1BFzNPCwWGPhFKfpdbne_46uc5Gt-aXD2YjYmgTwmZ2rVDPRG-SQzLeG5HOnV_QvwNC_nw29uY_XaBUiBbm1WpaclXX1AtMzQQsiVaptpLKqOp6FM-ZVwXNvpUu4I"/>
-          <p:cNvPicPr>
-            <a:picLocks noChangeAspect="1" noChangeArrowheads="1"/>
-          </p:cNvPicPr>
-          <p:nvPr/>
-        </p:nvPicPr>
-        <p:blipFill>
-          <a:blip r:embed="rId2">
-            <a:extLst>
-              <a:ext uri="{28A0092B-C50C-407E-A947-70E740481C1C}">
-                <a14:useLocalDpi xmlns:a14="http://schemas.microsoft.com/office/drawing/2010/main" val="0"/>
-              </a:ext>
-            </a:extLst>
-          </a:blip>
-          <a:srcRect/>
-          <a:stretch>
-            <a:fillRect/>
-          </a:stretch>
-        </p:blipFill>
-        <p:spPr bwMode="auto">
-          <a:xfrm>
-            <a:off x="2680297" y="3834228"/>
-            <a:ext cx="3783407" cy="2823747"/>
-          </a:xfrm>
-          <a:prstGeom prst="rect">
-            <a:avLst/>
-          </a:prstGeom>
-          <a:noFill/>
-          <a:extLst>
-            <a:ext uri="{909E8E84-426E-40DD-AFC4-6F175D3DCCD1}">
-              <a14:hiddenFill xmlns:a14="http://schemas.microsoft.com/office/drawing/2010/main">
-                <a:solidFill>
-                  <a:srgbClr val="FFFFFF"/>
-                </a:solidFill>
-              </a14:hiddenFill>
-            </a:ext>
-          </a:extLst>
-        </p:spPr>
-      </p:pic>
-    </p:spTree>
-    <p:extLst>
-      <p:ext uri="{BB962C8B-B14F-4D97-AF65-F5344CB8AC3E}">
-        <p14:creationId xmlns:p14="http://schemas.microsoft.com/office/powerpoint/2010/main" val="3892620127"/>
-      </p:ext>
-    </p:extLst>
-  </p:cSld>
-  <p:clrMapOvr>
-    <a:masterClrMapping/>
-  </p:clrMapOvr>
-  <p:timing>
-    <p:tnLst>
-      <p:par>
-        <p:cTn id="1" dur="indefinite" restart="never" nodeType="tmRoot"/>
-      </p:par>
-    </p:tnLst>
-  </p:timing>
-</p:sld>
-</file>
-
-<file path=ppt/slides/slide9.xml><?xml version="1.0" encoding="utf-8"?>
-<p:sld xmlns:a="http://schemas.openxmlformats.org/drawingml/2006/main" xmlns:r="http://schemas.openxmlformats.org/officeDocument/2006/relationships" xmlns:p="http://schemas.openxmlformats.org/presentationml/2006/main">
-  <p:cSld>
-    <p:spTree>
-      <p:nvGrpSpPr>
-        <p:cNvPr id="1" name=""/>
-        <p:cNvGrpSpPr/>
-        <p:nvPr/>
-      </p:nvGrpSpPr>
-      <p:grpSpPr>
-        <a:xfrm>
-          <a:off x="0" y="0"/>
-          <a:ext cx="0" cy="0"/>
-          <a:chOff x="0" y="0"/>
-          <a:chExt cx="0" cy="0"/>
-        </a:xfrm>
-      </p:grpSpPr>
-      <p:sp>
-        <p:nvSpPr>
-          <p:cNvPr id="2" name="Title 1"/>
-          <p:cNvSpPr>
-            <a:spLocks noGrp="1"/>
-          </p:cNvSpPr>
-          <p:nvPr>
-            <p:ph type="title"/>
-          </p:nvPr>
-        </p:nvSpPr>
-        <p:spPr>
-          <a:xfrm>
-            <a:off x="457200" y="449932"/>
-            <a:ext cx="8286750" cy="1150353"/>
-          </a:xfrm>
-        </p:spPr>
-        <p:txBody>
-          <a:bodyPr/>
-          <a:lstStyle/>
-          <a:p>
-            <a:r>
-              <a:rPr lang="en-CA" dirty="0" smtClean="0">
-                <a:latin typeface="+mn-lt"/>
-              </a:rPr>
-              <a:t>Central Limit Theorem</a:t>
-            </a:r>
-            <a:endParaRPr lang="en-CA" dirty="0">
-              <a:latin typeface="+mn-lt"/>
-            </a:endParaRPr>
-          </a:p>
-        </p:txBody>
-      </p:sp>
-      <p:sp>
-        <p:nvSpPr>
-          <p:cNvPr id="3" name="Content Placeholder 2"/>
-          <p:cNvSpPr>
-            <a:spLocks noGrp="1"/>
-          </p:cNvSpPr>
-          <p:nvPr>
-            <p:ph idx="1"/>
-          </p:nvPr>
-        </p:nvSpPr>
-        <p:spPr>
-          <a:xfrm>
-            <a:off x="457200" y="1756947"/>
-            <a:ext cx="8286750" cy="3300828"/>
-          </a:xfrm>
-        </p:spPr>
-        <p:txBody>
-          <a:bodyPr>
-            <a:normAutofit/>
-          </a:bodyPr>
-          <a:lstStyle/>
-          <a:p>
-            <a:r>
-              <a:rPr lang="en-CA" dirty="0" smtClean="0">
-                <a:latin typeface="+mn-lt"/>
-              </a:rPr>
-              <a:t>If the sample is large and drawn at random with replacement</a:t>
-            </a:r>
-          </a:p>
-          <a:p>
-            <a:r>
-              <a:rPr lang="en-CA" dirty="0" smtClean="0">
-                <a:latin typeface="+mn-lt"/>
-              </a:rPr>
-              <a:t>Regardless of the distribution of the population, the distribution of the sample sum or average is </a:t>
-            </a:r>
-            <a:r>
-              <a:rPr lang="en-CA" b="1" dirty="0" smtClean="0">
-                <a:latin typeface="+mn-lt"/>
-              </a:rPr>
-              <a:t>roughly normal</a:t>
-            </a:r>
-          </a:p>
-          <a:p>
-            <a:r>
-              <a:rPr lang="en-CA" dirty="0" smtClean="0">
-                <a:latin typeface="+mn-lt"/>
-              </a:rPr>
-              <a:t>Distribution of the sample sum/average: </a:t>
-            </a:r>
-          </a:p>
-          <a:p>
-            <a:pPr lvl="1"/>
-            <a:r>
-              <a:rPr lang="en-CA" dirty="0" smtClean="0">
-                <a:latin typeface="+mn-lt"/>
-              </a:rPr>
-              <a:t>Many possible random samples of the same size</a:t>
-            </a:r>
-          </a:p>
-          <a:p>
-            <a:pPr lvl="1"/>
-            <a:r>
-              <a:rPr lang="en-CA" dirty="0" smtClean="0">
-                <a:latin typeface="+mn-lt"/>
-              </a:rPr>
-              <a:t>Distribution is based on the sum/average of different samples</a:t>
-            </a:r>
-          </a:p>
-          <a:p>
-            <a:pPr marL="0" indent="0">
-              <a:buNone/>
-            </a:pPr>
-            <a:endParaRPr lang="en-CA" dirty="0" smtClean="0">
-              <a:latin typeface="+mn-lt"/>
-            </a:endParaRPr>
+              <a:t>TBD</a:t>
+            </a:r>
           </a:p>
         </p:txBody>
       </p:sp>
     </p:spTree>
     <p:extLst>
       <p:ext uri="{BB962C8B-B14F-4D97-AF65-F5344CB8AC3E}">
-        <p14:creationId xmlns:p14="http://schemas.microsoft.com/office/powerpoint/2010/main" val="894041131"/>
+        <p14:creationId xmlns:p14="http://schemas.microsoft.com/office/powerpoint/2010/main" val="687167673"/>
       </p:ext>
     </p:extLst>
   </p:cSld>

--- a/data8/slides/lab8.pptx
+++ b/data8/slides/lab8.pptx
@@ -9,19 +9,24 @@
     <p:sldMasterId id="2147483699" r:id="rId5"/>
   </p:sldMasterIdLst>
   <p:notesMasterIdLst>
-    <p:notesMasterId r:id="rId13"/>
+    <p:notesMasterId r:id="rId18"/>
   </p:notesMasterIdLst>
   <p:handoutMasterIdLst>
-    <p:handoutMasterId r:id="rId14"/>
+    <p:handoutMasterId r:id="rId19"/>
   </p:handoutMasterIdLst>
   <p:sldIdLst>
     <p:sldId id="256" r:id="rId6"/>
     <p:sldId id="289" r:id="rId7"/>
-    <p:sldId id="287" r:id="rId8"/>
-    <p:sldId id="290" r:id="rId9"/>
-    <p:sldId id="291" r:id="rId10"/>
-    <p:sldId id="267" r:id="rId11"/>
-    <p:sldId id="266" r:id="rId12"/>
+    <p:sldId id="293" r:id="rId8"/>
+    <p:sldId id="287" r:id="rId9"/>
+    <p:sldId id="292" r:id="rId10"/>
+    <p:sldId id="290" r:id="rId11"/>
+    <p:sldId id="297" r:id="rId12"/>
+    <p:sldId id="298" r:id="rId13"/>
+    <p:sldId id="295" r:id="rId14"/>
+    <p:sldId id="294" r:id="rId15"/>
+    <p:sldId id="296" r:id="rId16"/>
+    <p:sldId id="267" r:id="rId17"/>
   </p:sldIdLst>
   <p:sldSz cx="9144000" cy="6858000" type="screen4x3"/>
   <p:notesSz cx="6858000" cy="9144000"/>
@@ -205,7 +210,7 @@
           <a:p>
             <a:fld id="{97CB1905-1EEB-6545-B5E2-B70E8868255E}" type="datetimeFigureOut">
               <a:rPr lang="en-US" smtClean="0"/>
-              <a:t>10/21/2019</a:t>
+              <a:t>11/1/2019</a:t>
             </a:fld>
             <a:endParaRPr lang="en-US"/>
           </a:p>
@@ -371,7 +376,7 @@
           <a:p>
             <a:fld id="{5F53F6BF-7462-9046-A2B6-90C29244BD27}" type="datetimeFigureOut">
               <a:rPr lang="en-US" smtClean="0"/>
-              <a:t>10/21/2019</a:t>
+              <a:t>11/1/2019</a:t>
             </a:fld>
             <a:endParaRPr lang="en-US"/>
           </a:p>
@@ -684,19 +689,7 @@
           <a:bodyPr/>
           <a:lstStyle/>
           <a:p>
-            <a:r>
-              <a:rPr lang="en-CA" dirty="0" smtClean="0"/>
-              <a:t>Motivation: Most of the time we don’t have access</a:t>
-            </a:r>
-            <a:r>
-              <a:rPr lang="en-CA" baseline="0" dirty="0" smtClean="0"/>
-              <a:t> to the </a:t>
-            </a:r>
-            <a:r>
-              <a:rPr lang="en-CA" baseline="0" smtClean="0"/>
-              <a:t>whole population </a:t>
-            </a:r>
-            <a:endParaRPr lang="en-CA"/>
+            <a:endParaRPr lang="en-CA" dirty="0"/>
           </a:p>
         </p:txBody>
       </p:sp>
@@ -7850,6 +7843,384 @@
 </p:sld>
 </file>
 
+<file path=ppt/slides/slide10.xml><?xml version="1.0" encoding="utf-8"?>
+<p:sld xmlns:a="http://schemas.openxmlformats.org/drawingml/2006/main" xmlns:r="http://schemas.openxmlformats.org/officeDocument/2006/relationships" xmlns:p="http://schemas.openxmlformats.org/presentationml/2006/main">
+  <p:cSld>
+    <p:spTree>
+      <p:nvGrpSpPr>
+        <p:cNvPr id="1" name=""/>
+        <p:cNvGrpSpPr/>
+        <p:nvPr/>
+      </p:nvGrpSpPr>
+      <p:grpSpPr>
+        <a:xfrm>
+          <a:off x="0" y="0"/>
+          <a:ext cx="0" cy="0"/>
+          <a:chOff x="0" y="0"/>
+          <a:chExt cx="0" cy="0"/>
+        </a:xfrm>
+      </p:grpSpPr>
+      <p:sp>
+        <p:nvSpPr>
+          <p:cNvPr id="2" name="Title 1"/>
+          <p:cNvSpPr>
+            <a:spLocks noGrp="1"/>
+          </p:cNvSpPr>
+          <p:nvPr>
+            <p:ph type="title"/>
+          </p:nvPr>
+        </p:nvSpPr>
+        <p:spPr>
+          <a:xfrm>
+            <a:off x="457200" y="449932"/>
+            <a:ext cx="8286750" cy="1150353"/>
+          </a:xfrm>
+        </p:spPr>
+        <p:txBody>
+          <a:bodyPr/>
+          <a:lstStyle/>
+          <a:p>
+            <a:r>
+              <a:rPr lang="en-CA" dirty="0" smtClean="0">
+                <a:latin typeface="+mn-lt"/>
+              </a:rPr>
+              <a:t>Visualizing Confidence Intervals</a:t>
+            </a:r>
+            <a:endParaRPr lang="en-CA" dirty="0">
+              <a:latin typeface="+mn-lt"/>
+            </a:endParaRPr>
+          </a:p>
+        </p:txBody>
+      </p:sp>
+      <p:sp>
+        <p:nvSpPr>
+          <p:cNvPr id="3" name="Content Placeholder 2"/>
+          <p:cNvSpPr>
+            <a:spLocks noGrp="1"/>
+          </p:cNvSpPr>
+          <p:nvPr>
+            <p:ph idx="1"/>
+          </p:nvPr>
+        </p:nvSpPr>
+        <p:spPr>
+          <a:xfrm>
+            <a:off x="457200" y="1756947"/>
+            <a:ext cx="8286750" cy="4043778"/>
+          </a:xfrm>
+        </p:spPr>
+        <p:txBody>
+          <a:bodyPr>
+            <a:normAutofit/>
+          </a:bodyPr>
+          <a:lstStyle/>
+          <a:p>
+            <a:pPr lvl="1"/>
+            <a:endParaRPr lang="en-CA" dirty="0" smtClean="0">
+              <a:latin typeface="+mn-lt"/>
+            </a:endParaRPr>
+          </a:p>
+        </p:txBody>
+      </p:sp>
+      <p:pic>
+        <p:nvPicPr>
+          <p:cNvPr id="1026" name="Picture 2"/>
+          <p:cNvPicPr>
+            <a:picLocks noChangeAspect="1" noChangeArrowheads="1"/>
+          </p:cNvPicPr>
+          <p:nvPr/>
+        </p:nvPicPr>
+        <p:blipFill>
+          <a:blip r:embed="rId2">
+            <a:extLst>
+              <a:ext uri="{28A0092B-C50C-407E-A947-70E740481C1C}">
+                <a14:useLocalDpi xmlns:a14="http://schemas.microsoft.com/office/drawing/2010/main" val="0"/>
+              </a:ext>
+            </a:extLst>
+          </a:blip>
+          <a:srcRect/>
+          <a:stretch>
+            <a:fillRect/>
+          </a:stretch>
+        </p:blipFill>
+        <p:spPr bwMode="auto">
+          <a:xfrm>
+            <a:off x="2139950" y="1831975"/>
+            <a:ext cx="4862513" cy="3192463"/>
+          </a:xfrm>
+          <a:prstGeom prst="rect">
+            <a:avLst/>
+          </a:prstGeom>
+          <a:noFill/>
+          <a:ln>
+            <a:noFill/>
+          </a:ln>
+          <a:effectLst/>
+          <a:extLst>
+            <a:ext uri="{909E8E84-426E-40DD-AFC4-6F175D3DCCD1}">
+              <a14:hiddenFill xmlns:a14="http://schemas.microsoft.com/office/drawing/2010/main">
+                <a:solidFill>
+                  <a:schemeClr val="accent1"/>
+                </a:solidFill>
+              </a14:hiddenFill>
+            </a:ext>
+            <a:ext uri="{91240B29-F687-4F45-9708-019B960494DF}">
+              <a14:hiddenLine xmlns:a14="http://schemas.microsoft.com/office/drawing/2010/main" w="9525">
+                <a:solidFill>
+                  <a:schemeClr val="tx1"/>
+                </a:solidFill>
+                <a:miter lim="800000"/>
+                <a:headEnd/>
+                <a:tailEnd/>
+              </a14:hiddenLine>
+            </a:ext>
+            <a:ext uri="{AF507438-7753-43E0-B8FC-AC1667EBCBE1}">
+              <a14:hiddenEffects xmlns:a14="http://schemas.microsoft.com/office/drawing/2010/main">
+                <a:effectLst>
+                  <a:outerShdw dist="35921" dir="2700000" algn="ctr" rotWithShape="0">
+                    <a:schemeClr val="bg2"/>
+                  </a:outerShdw>
+                </a:effectLst>
+              </a14:hiddenEffects>
+            </a:ext>
+          </a:extLst>
+        </p:spPr>
+      </p:pic>
+    </p:spTree>
+    <p:extLst>
+      <p:ext uri="{BB962C8B-B14F-4D97-AF65-F5344CB8AC3E}">
+        <p14:creationId xmlns:p14="http://schemas.microsoft.com/office/powerpoint/2010/main" val="4069653968"/>
+      </p:ext>
+    </p:extLst>
+  </p:cSld>
+  <p:clrMapOvr>
+    <a:masterClrMapping/>
+  </p:clrMapOvr>
+  <p:timing>
+    <p:tnLst>
+      <p:par>
+        <p:cTn id="1" dur="indefinite" restart="never" nodeType="tmRoot"/>
+      </p:par>
+    </p:tnLst>
+  </p:timing>
+</p:sld>
+</file>
+
+<file path=ppt/slides/slide11.xml><?xml version="1.0" encoding="utf-8"?>
+<p:sld xmlns:a="http://schemas.openxmlformats.org/drawingml/2006/main" xmlns:r="http://schemas.openxmlformats.org/officeDocument/2006/relationships" xmlns:p="http://schemas.openxmlformats.org/presentationml/2006/main">
+  <p:cSld>
+    <p:spTree>
+      <p:nvGrpSpPr>
+        <p:cNvPr id="1" name=""/>
+        <p:cNvGrpSpPr/>
+        <p:nvPr/>
+      </p:nvGrpSpPr>
+      <p:grpSpPr>
+        <a:xfrm>
+          <a:off x="0" y="0"/>
+          <a:ext cx="0" cy="0"/>
+          <a:chOff x="0" y="0"/>
+          <a:chExt cx="0" cy="0"/>
+        </a:xfrm>
+      </p:grpSpPr>
+      <p:sp>
+        <p:nvSpPr>
+          <p:cNvPr id="2" name="Title 1"/>
+          <p:cNvSpPr>
+            <a:spLocks noGrp="1"/>
+          </p:cNvSpPr>
+          <p:nvPr>
+            <p:ph type="title"/>
+          </p:nvPr>
+        </p:nvSpPr>
+        <p:spPr>
+          <a:xfrm>
+            <a:off x="457200" y="449932"/>
+            <a:ext cx="8286750" cy="1150353"/>
+          </a:xfrm>
+        </p:spPr>
+        <p:txBody>
+          <a:bodyPr/>
+          <a:lstStyle/>
+          <a:p>
+            <a:r>
+              <a:rPr lang="en-CA" dirty="0" smtClean="0">
+                <a:latin typeface="+mn-lt"/>
+              </a:rPr>
+              <a:t>Visualizing Confidence Intervals</a:t>
+            </a:r>
+            <a:endParaRPr lang="en-CA" dirty="0">
+              <a:latin typeface="+mn-lt"/>
+            </a:endParaRPr>
+          </a:p>
+        </p:txBody>
+      </p:sp>
+      <p:sp>
+        <p:nvSpPr>
+          <p:cNvPr id="3" name="Content Placeholder 2"/>
+          <p:cNvSpPr>
+            <a:spLocks noGrp="1"/>
+          </p:cNvSpPr>
+          <p:nvPr>
+            <p:ph idx="1"/>
+          </p:nvPr>
+        </p:nvSpPr>
+        <p:spPr>
+          <a:xfrm>
+            <a:off x="457200" y="1756947"/>
+            <a:ext cx="8286750" cy="4043778"/>
+          </a:xfrm>
+        </p:spPr>
+        <p:txBody>
+          <a:bodyPr anchor="ctr">
+            <a:normAutofit/>
+          </a:bodyPr>
+          <a:lstStyle/>
+          <a:p>
+            <a:pPr marL="0" indent="0" algn="ctr">
+              <a:buNone/>
+            </a:pPr>
+            <a:r>
+              <a:rPr lang="en-CA" dirty="0">
+                <a:latin typeface="+mn-lt"/>
+                <a:hlinkClick r:id="rId2"/>
+              </a:rPr>
+              <a:t>https://rpsychologist.com/d3/CI/</a:t>
+            </a:r>
+            <a:endParaRPr lang="en-CA" dirty="0" smtClean="0">
+              <a:latin typeface="+mn-lt"/>
+            </a:endParaRPr>
+          </a:p>
+        </p:txBody>
+      </p:sp>
+    </p:spTree>
+    <p:extLst>
+      <p:ext uri="{BB962C8B-B14F-4D97-AF65-F5344CB8AC3E}">
+        <p14:creationId xmlns:p14="http://schemas.microsoft.com/office/powerpoint/2010/main" val="551825107"/>
+      </p:ext>
+    </p:extLst>
+  </p:cSld>
+  <p:clrMapOvr>
+    <a:masterClrMapping/>
+  </p:clrMapOvr>
+  <p:timing>
+    <p:tnLst>
+      <p:par>
+        <p:cTn id="1" dur="indefinite" restart="never" nodeType="tmRoot"/>
+      </p:par>
+    </p:tnLst>
+  </p:timing>
+</p:sld>
+</file>
+
+<file path=ppt/slides/slide12.xml><?xml version="1.0" encoding="utf-8"?>
+<p:sld xmlns:a="http://schemas.openxmlformats.org/drawingml/2006/main" xmlns:r="http://schemas.openxmlformats.org/officeDocument/2006/relationships" xmlns:p="http://schemas.openxmlformats.org/presentationml/2006/main">
+  <p:cSld>
+    <p:spTree>
+      <p:nvGrpSpPr>
+        <p:cNvPr id="1" name=""/>
+        <p:cNvGrpSpPr/>
+        <p:nvPr/>
+      </p:nvGrpSpPr>
+      <p:grpSpPr>
+        <a:xfrm>
+          <a:off x="0" y="0"/>
+          <a:ext cx="0" cy="0"/>
+          <a:chOff x="0" y="0"/>
+          <a:chExt cx="0" cy="0"/>
+        </a:xfrm>
+      </p:grpSpPr>
+      <p:sp>
+        <p:nvSpPr>
+          <p:cNvPr id="2" name="Title 1"/>
+          <p:cNvSpPr>
+            <a:spLocks noGrp="1"/>
+          </p:cNvSpPr>
+          <p:nvPr>
+            <p:ph type="title"/>
+          </p:nvPr>
+        </p:nvSpPr>
+        <p:spPr>
+          <a:xfrm>
+            <a:off x="457200" y="449932"/>
+            <a:ext cx="8286750" cy="1150353"/>
+          </a:xfrm>
+        </p:spPr>
+        <p:txBody>
+          <a:bodyPr/>
+          <a:lstStyle/>
+          <a:p>
+            <a:r>
+              <a:rPr lang="en-CA" dirty="0" smtClean="0">
+                <a:latin typeface="+mn-lt"/>
+              </a:rPr>
+              <a:t>Announcements</a:t>
+            </a:r>
+            <a:endParaRPr lang="en-CA" dirty="0">
+              <a:latin typeface="+mn-lt"/>
+            </a:endParaRPr>
+          </a:p>
+        </p:txBody>
+      </p:sp>
+      <p:sp>
+        <p:nvSpPr>
+          <p:cNvPr id="3" name="Content Placeholder 2"/>
+          <p:cNvSpPr>
+            <a:spLocks noGrp="1"/>
+          </p:cNvSpPr>
+          <p:nvPr>
+            <p:ph idx="1"/>
+          </p:nvPr>
+        </p:nvSpPr>
+        <p:spPr>
+          <a:xfrm>
+            <a:off x="457200" y="1756947"/>
+            <a:ext cx="8286750" cy="3596103"/>
+          </a:xfrm>
+        </p:spPr>
+        <p:txBody>
+          <a:bodyPr/>
+          <a:lstStyle/>
+          <a:p>
+            <a:r>
+              <a:rPr lang="en-CA" dirty="0" smtClean="0">
+                <a:latin typeface="+mn-lt"/>
+              </a:rPr>
+              <a:t>Checkpoint 1 of Project 2 is due today!</a:t>
+            </a:r>
+          </a:p>
+          <a:p>
+            <a:r>
+              <a:rPr lang="en-CA" dirty="0" smtClean="0">
+                <a:latin typeface="+mn-lt"/>
+              </a:rPr>
+              <a:t>Checkpoint 2 of Project 2 due next Friday (11/8)</a:t>
+            </a:r>
+            <a:endParaRPr lang="en-CA" dirty="0">
+              <a:latin typeface="+mn-lt"/>
+            </a:endParaRPr>
+          </a:p>
+        </p:txBody>
+      </p:sp>
+    </p:spTree>
+    <p:extLst>
+      <p:ext uri="{BB962C8B-B14F-4D97-AF65-F5344CB8AC3E}">
+        <p14:creationId xmlns:p14="http://schemas.microsoft.com/office/powerpoint/2010/main" val="203414778"/>
+      </p:ext>
+    </p:extLst>
+  </p:cSld>
+  <p:clrMapOvr>
+    <a:masterClrMapping/>
+  </p:clrMapOvr>
+  <p:timing>
+    <p:tnLst>
+      <p:par>
+        <p:cTn id="1" dur="indefinite" restart="never" nodeType="tmRoot"/>
+      </p:par>
+    </p:tnLst>
+  </p:timing>
+</p:sld>
+</file>
+
 <file path=ppt/slides/slide2.xml><?xml version="1.0" encoding="utf-8"?>
 <p:sld xmlns:a="http://schemas.openxmlformats.org/drawingml/2006/main" xmlns:r="http://schemas.openxmlformats.org/officeDocument/2006/relationships" xmlns:p="http://schemas.openxmlformats.org/presentationml/2006/main">
   <p:cSld>
@@ -8019,7 +8390,7 @@
               <a:rPr lang="en-CA" dirty="0" smtClean="0">
                 <a:latin typeface="+mn-lt"/>
               </a:rPr>
-              <a:t>The Bootstrap</a:t>
+              <a:t>Parameters and Statistics	</a:t>
             </a:r>
             <a:endParaRPr lang="en-CA" dirty="0">
               <a:latin typeface="+mn-lt"/>
@@ -8048,57 +8419,74 @@
           <a:lstStyle/>
           <a:p>
             <a:r>
+              <a:rPr lang="en-CA" b="1" dirty="0" smtClean="0">
+                <a:latin typeface="+mn-lt"/>
+              </a:rPr>
+              <a:t>Population Parameter: </a:t>
+            </a:r>
+            <a:r>
               <a:rPr lang="en-CA" dirty="0" smtClean="0">
                 <a:latin typeface="+mn-lt"/>
               </a:rPr>
-              <a:t>If the original sample is large and selected at random, it likely resembles the population</a:t>
-            </a:r>
-          </a:p>
-          <a:p>
+              <a:t>A metric about a population </a:t>
+            </a:r>
+          </a:p>
+          <a:p>
+            <a:pPr lvl="1"/>
             <a:r>
               <a:rPr lang="en-CA" dirty="0" smtClean="0">
                 <a:latin typeface="+mn-lt"/>
               </a:rPr>
-              <a:t>Instead of getting entirely new samples from the population, we resample from the original sample</a:t>
-            </a:r>
-          </a:p>
-          <a:p>
+              <a:t>Fixed and not random!</a:t>
+            </a:r>
+          </a:p>
+          <a:p>
+            <a:pPr lvl="1"/>
             <a:r>
               <a:rPr lang="en-CA" dirty="0" smtClean="0">
                 <a:latin typeface="+mn-lt"/>
               </a:rPr>
-              <a:t>Resample same number of individuals </a:t>
-            </a:r>
+              <a:t>Example: Average GPA of all Cal students</a:t>
+            </a:r>
+          </a:p>
+          <a:p>
             <a:r>
               <a:rPr lang="en-CA" b="1" dirty="0" smtClean="0">
                 <a:latin typeface="+mn-lt"/>
               </a:rPr>
-              <a:t>with replacement</a:t>
-            </a:r>
-            <a:endParaRPr lang="en-CA" dirty="0" smtClean="0">
-              <a:latin typeface="+mn-lt"/>
-            </a:endParaRPr>
-          </a:p>
-          <a:p>
-            <a:pPr lvl="1"/>
+              <a:t>Sample Statistic:</a:t>
+            </a:r>
             <a:r>
               <a:rPr lang="en-CA" dirty="0" smtClean="0">
                 <a:latin typeface="+mn-lt"/>
               </a:rPr>
-              <a:t>If we sample without replacement, we will always get the sample original sample back!</a:t>
-            </a:r>
-          </a:p>
-          <a:p>
-            <a:endParaRPr lang="en-CA" dirty="0" smtClean="0">
-              <a:latin typeface="+mn-lt"/>
-            </a:endParaRPr>
+              <a:t> A metric about a sample of that population</a:t>
+            </a:r>
+          </a:p>
+          <a:p>
+            <a:pPr lvl="1"/>
+            <a:r>
+              <a:rPr lang="en-CA" dirty="0" smtClean="0">
+                <a:latin typeface="+mn-lt"/>
+              </a:rPr>
+              <a:t>Different for each sample of the population!</a:t>
+            </a:r>
+          </a:p>
+          <a:p>
+            <a:pPr lvl="1"/>
+            <a:r>
+              <a:rPr lang="en-CA" dirty="0" smtClean="0">
+                <a:latin typeface="+mn-lt"/>
+              </a:rPr>
+              <a:t>Example: Average GPA of Cal students who are taking Data 8</a:t>
+            </a:r>
           </a:p>
         </p:txBody>
       </p:sp>
     </p:spTree>
     <p:extLst>
       <p:ext uri="{BB962C8B-B14F-4D97-AF65-F5344CB8AC3E}">
-        <p14:creationId xmlns:p14="http://schemas.microsoft.com/office/powerpoint/2010/main" val="3385360168"/>
+        <p14:creationId xmlns:p14="http://schemas.microsoft.com/office/powerpoint/2010/main" val="3315589565"/>
       </p:ext>
     </p:extLst>
   </p:cSld>
@@ -8156,7 +8544,7 @@
               <a:rPr lang="en-CA" dirty="0" smtClean="0">
                 <a:latin typeface="+mn-lt"/>
               </a:rPr>
-              <a:t>Confidence Interval</a:t>
+              <a:t>Why Bootstrap?</a:t>
             </a:r>
             <a:endParaRPr lang="en-CA" dirty="0">
               <a:latin typeface="+mn-lt"/>
@@ -8177,7 +8565,7 @@
         <p:spPr>
           <a:xfrm>
             <a:off x="457200" y="1756947"/>
-            <a:ext cx="8286750" cy="4043778"/>
+            <a:ext cx="8286750" cy="3596103"/>
           </a:xfrm>
         </p:spPr>
         <p:txBody>
@@ -8190,7 +8578,7 @@
               <a:rPr lang="en-CA" dirty="0" smtClean="0">
                 <a:latin typeface="+mn-lt"/>
               </a:rPr>
-              <a:t>Interval of estimates of a population parameter</a:t>
+              <a:t>We need a sample to estimate a population parameter!</a:t>
             </a:r>
           </a:p>
           <a:p>
@@ -8198,38 +8586,56 @@
               <a:rPr lang="en-CA" dirty="0" smtClean="0">
                 <a:latin typeface="+mn-lt"/>
               </a:rPr>
-              <a:t>A 95% confidence interval means if we create 100 confidence intervals from different samples, we expect 95 of them to contain the true population parameter</a:t>
-            </a:r>
-          </a:p>
-          <a:p>
+              <a:t>In order to evaluate the </a:t>
+            </a:r>
+            <a:r>
+              <a:rPr lang="en-CA" b="1" dirty="0" smtClean="0">
+                <a:latin typeface="+mn-lt"/>
+              </a:rPr>
+              <a:t>variability of the statistic</a:t>
+            </a:r>
             <a:r>
               <a:rPr lang="en-CA" dirty="0" smtClean="0">
                 <a:latin typeface="+mn-lt"/>
               </a:rPr>
-              <a:t>It does NOT mean that there is a 95% probability the true population parameter is in a confidence interval!!</a:t>
-            </a:r>
-          </a:p>
-          <a:p>
-            <a:pPr lvl="1"/>
+              <a:t>,</a:t>
+            </a:r>
+            <a:r>
+              <a:rPr lang="en-CA" b="1" dirty="0" smtClean="0">
+                <a:latin typeface="+mn-lt"/>
+              </a:rPr>
+              <a:t> </a:t>
+            </a:r>
             <a:r>
               <a:rPr lang="en-CA" dirty="0" smtClean="0">
                 <a:latin typeface="+mn-lt"/>
               </a:rPr>
-              <a:t>The population parameter is a constant. Once an interval is created, it either has the parameter or not</a:t>
+              <a:t>we need multiple samples</a:t>
+            </a:r>
+          </a:p>
+          <a:p>
+            <a:r>
+              <a:rPr lang="en-CA" dirty="0" smtClean="0">
+                <a:latin typeface="+mn-lt"/>
+              </a:rPr>
+              <a:t>If the original sample is large and selected at random, it is close enough to the population that we can resample from our original sample instead of from the population</a:t>
             </a:r>
           </a:p>
           <a:p>
             <a:pPr lvl="1"/>
-            <a:endParaRPr lang="en-CA" dirty="0" smtClean="0">
-              <a:latin typeface="+mn-lt"/>
-            </a:endParaRPr>
+            <a:r>
+              <a:rPr lang="en-CA" dirty="0" smtClean="0">
+                <a:latin typeface="+mn-lt"/>
+              </a:rPr>
+              <a:t>This is extremely helpful in real life: it saves us time and money!</a:t>
+            </a:r>
           </a:p>
         </p:txBody>
       </p:sp>
     </p:spTree>
     <p:extLst>
       <p:ext uri="{BB962C8B-B14F-4D97-AF65-F5344CB8AC3E}">
-        <p14:creationId xmlns:p14="http://schemas.microsoft.com/office/powerpoint/2010/main" val="2381211813"/>
+        <p14:creationId xmlns:p14="http://schemas.microsoft.com/office/powerpoint/2010/main" val="3385360168"/>
       </p:ext>
     </p:extLst>
   </p:cSld>
@@ -8287,7 +8693,7 @@
               <a:rPr lang="en-CA" dirty="0" smtClean="0">
                 <a:latin typeface="+mn-lt"/>
               </a:rPr>
-              <a:t>Confidence Interval</a:t>
+              <a:t>The Bootstrap</a:t>
             </a:r>
             <a:endParaRPr lang="en-CA" dirty="0">
               <a:latin typeface="+mn-lt"/>
@@ -8308,67 +8714,65 @@
         <p:spPr>
           <a:xfrm>
             <a:off x="457200" y="1756947"/>
-            <a:ext cx="8286750" cy="4043778"/>
+            <a:ext cx="8286750" cy="3596103"/>
           </a:xfrm>
         </p:spPr>
         <p:txBody>
-          <a:bodyPr>
-            <a:normAutofit/>
-          </a:bodyPr>
+          <a:bodyPr/>
           <a:lstStyle/>
           <a:p>
-            <a:pPr lvl="1"/>
+            <a:r>
+              <a:rPr lang="en-CA" dirty="0" smtClean="0">
+                <a:latin typeface="+mn-lt"/>
+              </a:rPr>
+              <a:t>If the original sample is large and selected at random, it likely resembles the population</a:t>
+            </a:r>
+          </a:p>
+          <a:p>
+            <a:r>
+              <a:rPr lang="en-CA" dirty="0" smtClean="0">
+                <a:latin typeface="+mn-lt"/>
+              </a:rPr>
+              <a:t>Instead of getting entirely new samples from the population, we resample from the original sample</a:t>
+            </a:r>
+          </a:p>
+          <a:p>
+            <a:r>
+              <a:rPr lang="en-CA" dirty="0" smtClean="0">
+                <a:latin typeface="+mn-lt"/>
+              </a:rPr>
+              <a:t>Resample same number of individuals </a:t>
+            </a:r>
+            <a:r>
+              <a:rPr lang="en-CA" b="1" dirty="0" smtClean="0">
+                <a:latin typeface="+mn-lt"/>
+              </a:rPr>
+              <a:t>with replacement</a:t>
+            </a:r>
             <a:endParaRPr lang="en-CA" dirty="0" smtClean="0">
               <a:latin typeface="+mn-lt"/>
             </a:endParaRPr>
           </a:p>
+          <a:p>
+            <a:pPr lvl="1"/>
+            <a:r>
+              <a:rPr lang="en-CA" dirty="0" smtClean="0">
+                <a:latin typeface="+mn-lt"/>
+              </a:rPr>
+              <a:t>If we sample without replacement, we will always get the sample original sample back!</a:t>
+            </a:r>
+          </a:p>
+          <a:p>
+            <a:endParaRPr lang="en-CA" dirty="0" smtClean="0">
+              <a:latin typeface="+mn-lt"/>
+            </a:endParaRPr>
+          </a:p>
         </p:txBody>
       </p:sp>
-      <p:pic>
-        <p:nvPicPr>
-          <p:cNvPr id="7170" name="Picture 2" descr="https://lh4.googleusercontent.com/X7Y9Da4Q7WePdoFMwI6wzbVeqNuTHkHX3bJZF7PRs5r1nxA3L5GPE9TS7APKs2fOouSQ3fkH3RuaZ-q3Fw9LA49UZNZQZKPdf4VkkpnAsnshWItU4YAy0-Y8TR4kUwFr0yOWpIyfcv4"/>
-          <p:cNvPicPr>
-            <a:picLocks noChangeAspect="1" noChangeArrowheads="1"/>
-          </p:cNvPicPr>
-          <p:nvPr/>
-        </p:nvPicPr>
-        <p:blipFill>
-          <a:blip r:embed="rId2">
-            <a:extLst>
-              <a:ext uri="{28A0092B-C50C-407E-A947-70E740481C1C}">
-                <a14:useLocalDpi xmlns:a14="http://schemas.microsoft.com/office/drawing/2010/main" val="0"/>
-              </a:ext>
-            </a:extLst>
-          </a:blip>
-          <a:srcRect/>
-          <a:stretch>
-            <a:fillRect/>
-          </a:stretch>
-        </p:blipFill>
-        <p:spPr bwMode="auto">
-          <a:xfrm>
-            <a:off x="2228614" y="1478047"/>
-            <a:ext cx="4686773" cy="4322678"/>
-          </a:xfrm>
-          <a:prstGeom prst="rect">
-            <a:avLst/>
-          </a:prstGeom>
-          <a:noFill/>
-          <a:extLst>
-            <a:ext uri="{909E8E84-426E-40DD-AFC4-6F175D3DCCD1}">
-              <a14:hiddenFill xmlns:a14="http://schemas.microsoft.com/office/drawing/2010/main">
-                <a:solidFill>
-                  <a:srgbClr val="FFFFFF"/>
-                </a:solidFill>
-              </a14:hiddenFill>
-            </a:ext>
-          </a:extLst>
-        </p:spPr>
-      </p:pic>
     </p:spTree>
     <p:extLst>
       <p:ext uri="{BB962C8B-B14F-4D97-AF65-F5344CB8AC3E}">
-        <p14:creationId xmlns:p14="http://schemas.microsoft.com/office/powerpoint/2010/main" val="2494202213"/>
+        <p14:creationId xmlns:p14="http://schemas.microsoft.com/office/powerpoint/2010/main" val="2686577736"/>
       </p:ext>
     </p:extLst>
   </p:cSld>
@@ -8426,7 +8830,7 @@
               <a:rPr lang="en-CA" dirty="0" smtClean="0">
                 <a:latin typeface="+mn-lt"/>
               </a:rPr>
-              <a:t>Announcements</a:t>
+              <a:t>Confidence Interval</a:t>
             </a:r>
             <a:endParaRPr lang="en-CA" dirty="0">
               <a:latin typeface="+mn-lt"/>
@@ -8447,14 +8851,59 @@
         <p:spPr>
           <a:xfrm>
             <a:off x="457200" y="1756947"/>
-            <a:ext cx="8286750" cy="3596103"/>
+            <a:ext cx="8286750" cy="4043778"/>
           </a:xfrm>
         </p:spPr>
         <p:txBody>
-          <a:bodyPr/>
+          <a:bodyPr>
+            <a:normAutofit/>
+          </a:bodyPr>
           <a:lstStyle/>
           <a:p>
-            <a:endParaRPr lang="en-CA" dirty="0">
+            <a:r>
+              <a:rPr lang="en-CA" dirty="0" smtClean="0">
+                <a:latin typeface="+mn-lt"/>
+              </a:rPr>
+              <a:t>Interval of estimates of a population parameter</a:t>
+            </a:r>
+          </a:p>
+          <a:p>
+            <a:r>
+              <a:rPr lang="en-CA" dirty="0" smtClean="0">
+                <a:latin typeface="+mn-lt"/>
+              </a:rPr>
+              <a:t>A 95% confidence interval means if we create 100 confidence intervals from different samples, we expect 95 of them to contain the true population parameter</a:t>
+            </a:r>
+          </a:p>
+          <a:p>
+            <a:r>
+              <a:rPr lang="en-CA" dirty="0" smtClean="0">
+                <a:latin typeface="+mn-lt"/>
+              </a:rPr>
+              <a:t>It does NOT mean that there is a 95% probability the true population parameter is in a confidence interval!!</a:t>
+            </a:r>
+          </a:p>
+          <a:p>
+            <a:pPr lvl="1"/>
+            <a:r>
+              <a:rPr lang="en-CA" dirty="0" smtClean="0">
+                <a:latin typeface="+mn-lt"/>
+              </a:rPr>
+              <a:t>The population parameter is a </a:t>
+            </a:r>
+            <a:r>
+              <a:rPr lang="en-CA" dirty="0" smtClean="0">
+                <a:latin typeface="+mn-lt"/>
+              </a:rPr>
+              <a:t>constant – it’s either in an interval, or it isn’t so there’s nothing we can conclude about probability</a:t>
+            </a:r>
+            <a:endParaRPr lang="en-CA" dirty="0" smtClean="0">
+              <a:latin typeface="+mn-lt"/>
+            </a:endParaRPr>
+          </a:p>
+          <a:p>
+            <a:pPr lvl="1"/>
+            <a:endParaRPr lang="en-CA" dirty="0" smtClean="0">
               <a:latin typeface="+mn-lt"/>
             </a:endParaRPr>
           </a:p>
@@ -8463,7 +8912,7 @@
     </p:spTree>
     <p:extLst>
       <p:ext uri="{BB962C8B-B14F-4D97-AF65-F5344CB8AC3E}">
-        <p14:creationId xmlns:p14="http://schemas.microsoft.com/office/powerpoint/2010/main" val="203414778"/>
+        <p14:creationId xmlns:p14="http://schemas.microsoft.com/office/powerpoint/2010/main" val="2381211813"/>
       </p:ext>
     </p:extLst>
   </p:cSld>
@@ -8521,7 +8970,13 @@
               <a:rPr lang="en-CA" dirty="0" smtClean="0">
                 <a:latin typeface="+mn-lt"/>
               </a:rPr>
-              <a:t>Lab Notebook</a:t>
+              <a:t>Confidence </a:t>
+            </a:r>
+            <a:r>
+              <a:rPr lang="en-CA" dirty="0" smtClean="0">
+                <a:latin typeface="+mn-lt"/>
+              </a:rPr>
+              <a:t>Interval Facts</a:t>
             </a:r>
             <a:endParaRPr lang="en-CA" dirty="0">
               <a:latin typeface="+mn-lt"/>
@@ -8542,29 +8997,673 @@
         <p:spPr>
           <a:xfrm>
             <a:off x="457200" y="1756947"/>
-            <a:ext cx="8286750" cy="3596103"/>
+            <a:ext cx="8286750" cy="4043778"/>
           </a:xfrm>
         </p:spPr>
         <p:txBody>
-          <a:bodyPr/>
+          <a:bodyPr>
+            <a:normAutofit/>
+          </a:bodyPr>
           <a:lstStyle/>
           <a:p>
-            <a:pPr marL="0" indent="0">
-              <a:buNone/>
+            <a:r>
+              <a:rPr lang="en-CA" dirty="0">
+                <a:latin typeface="+mn-lt"/>
+              </a:rPr>
+              <a:t>For a 95% confidence interval, it is true </a:t>
+            </a:r>
+            <a:r>
+              <a:rPr lang="en-CA" dirty="0" smtClean="0">
+                <a:latin typeface="+mn-lt"/>
+              </a:rPr>
+              <a:t>that:</a:t>
+            </a:r>
+          </a:p>
+          <a:p>
+            <a:pPr marL="857250" lvl="1" indent="-457200">
+              <a:buFont typeface="+mj-lt"/>
+              <a:buAutoNum type="arabicPeriod"/>
             </a:pPr>
             <a:r>
-              <a:rPr lang="en-CA" smtClean="0">
-                <a:latin typeface="Avenir LT Std 45 Book" pitchFamily="34" charset="0"/>
+              <a:rPr lang="en-CA" dirty="0" smtClean="0">
+                <a:latin typeface="+mn-lt"/>
               </a:rPr>
-              <a:t>TBD</a:t>
-            </a:r>
+              <a:t>Out </a:t>
+            </a:r>
+            <a:r>
+              <a:rPr lang="en-CA" dirty="0">
+                <a:latin typeface="+mn-lt"/>
+              </a:rPr>
+              <a:t>of 100 confidence intervals, we expect 95 of them to contain the true population </a:t>
+            </a:r>
+            <a:r>
+              <a:rPr lang="en-CA" dirty="0" smtClean="0">
+                <a:latin typeface="+mn-lt"/>
+              </a:rPr>
+              <a:t>parameter</a:t>
+            </a:r>
+          </a:p>
+          <a:p>
+            <a:pPr marL="857250" lvl="1" indent="-457200">
+              <a:buFont typeface="+mj-lt"/>
+              <a:buAutoNum type="arabicPeriod"/>
+            </a:pPr>
+            <a:r>
+              <a:rPr lang="en-CA" dirty="0" smtClean="0">
+                <a:latin typeface="+mn-lt"/>
+              </a:rPr>
+              <a:t>There </a:t>
+            </a:r>
+            <a:r>
+              <a:rPr lang="en-CA" dirty="0">
+                <a:latin typeface="+mn-lt"/>
+              </a:rPr>
+              <a:t>is a 95% probability the confidence interval contains the population parameter </a:t>
+            </a:r>
+            <a:endParaRPr lang="en-CA" dirty="0" smtClean="0">
+              <a:latin typeface="+mn-lt"/>
+            </a:endParaRPr>
+          </a:p>
+          <a:p>
+            <a:pPr marL="1257300" lvl="2" indent="-457200">
+              <a:buFont typeface="+mj-lt"/>
+              <a:buAutoNum type="arabicPeriod"/>
+            </a:pPr>
+            <a:r>
+              <a:rPr lang="en-CA" dirty="0" smtClean="0">
+                <a:latin typeface="+mn-lt"/>
+              </a:rPr>
+              <a:t>Note </a:t>
+            </a:r>
+            <a:r>
+              <a:rPr lang="en-CA" dirty="0">
+                <a:latin typeface="+mn-lt"/>
+              </a:rPr>
+              <a:t>that the confidence interval is random here so we can make this </a:t>
+            </a:r>
+            <a:r>
+              <a:rPr lang="en-CA" dirty="0" smtClean="0">
+                <a:latin typeface="+mn-lt"/>
+              </a:rPr>
+              <a:t>statement</a:t>
+            </a:r>
+          </a:p>
+          <a:p>
+            <a:r>
+              <a:rPr lang="en-CA" dirty="0" smtClean="0">
+                <a:latin typeface="+mn-lt"/>
+              </a:rPr>
+              <a:t>It </a:t>
+            </a:r>
+            <a:r>
+              <a:rPr lang="en-CA" dirty="0">
+                <a:latin typeface="+mn-lt"/>
+              </a:rPr>
+              <a:t>is </a:t>
+            </a:r>
+            <a:r>
+              <a:rPr lang="en-CA" b="1" dirty="0">
+                <a:latin typeface="+mn-lt"/>
+              </a:rPr>
+              <a:t>not</a:t>
+            </a:r>
+            <a:r>
+              <a:rPr lang="en-CA" dirty="0">
+                <a:latin typeface="+mn-lt"/>
+              </a:rPr>
+              <a:t> true that there is a 95% probability a population parameter is in a confidence interval. </a:t>
+            </a:r>
+            <a:endParaRPr lang="en-CA" dirty="0" smtClean="0">
+              <a:latin typeface="+mn-lt"/>
+            </a:endParaRPr>
+          </a:p>
+          <a:p>
+            <a:pPr lvl="1"/>
+            <a:r>
+              <a:rPr lang="en-CA" dirty="0" smtClean="0">
+                <a:latin typeface="+mn-lt"/>
+              </a:rPr>
+              <a:t>This </a:t>
+            </a:r>
+            <a:r>
+              <a:rPr lang="en-CA" dirty="0">
+                <a:latin typeface="+mn-lt"/>
+              </a:rPr>
+              <a:t>is because the population parameter is fixed so we can't so anything probabilistic about it. </a:t>
+            </a:r>
+            <a:endParaRPr lang="en-CA" dirty="0" smtClean="0">
+              <a:latin typeface="+mn-lt"/>
+            </a:endParaRPr>
           </a:p>
         </p:txBody>
       </p:sp>
     </p:spTree>
     <p:extLst>
       <p:ext uri="{BB962C8B-B14F-4D97-AF65-F5344CB8AC3E}">
-        <p14:creationId xmlns:p14="http://schemas.microsoft.com/office/powerpoint/2010/main" val="687167673"/>
+        <p14:creationId xmlns:p14="http://schemas.microsoft.com/office/powerpoint/2010/main" val="251482239"/>
+      </p:ext>
+    </p:extLst>
+  </p:cSld>
+  <p:clrMapOvr>
+    <a:masterClrMapping/>
+  </p:clrMapOvr>
+  <p:timing>
+    <p:tnLst>
+      <p:par>
+        <p:cTn id="1" dur="indefinite" restart="never" nodeType="tmRoot"/>
+      </p:par>
+    </p:tnLst>
+  </p:timing>
+</p:sld>
+</file>
+
+<file path=ppt/slides/slide8.xml><?xml version="1.0" encoding="utf-8"?>
+<p:sld xmlns:a="http://schemas.openxmlformats.org/drawingml/2006/main" xmlns:r="http://schemas.openxmlformats.org/officeDocument/2006/relationships" xmlns:p="http://schemas.openxmlformats.org/presentationml/2006/main">
+  <p:cSld>
+    <p:spTree>
+      <p:nvGrpSpPr>
+        <p:cNvPr id="1" name=""/>
+        <p:cNvGrpSpPr/>
+        <p:nvPr/>
+      </p:nvGrpSpPr>
+      <p:grpSpPr>
+        <a:xfrm>
+          <a:off x="0" y="0"/>
+          <a:ext cx="0" cy="0"/>
+          <a:chOff x="0" y="0"/>
+          <a:chExt cx="0" cy="0"/>
+        </a:xfrm>
+      </p:grpSpPr>
+      <p:sp>
+        <p:nvSpPr>
+          <p:cNvPr id="2" name="Title 1"/>
+          <p:cNvSpPr>
+            <a:spLocks noGrp="1"/>
+          </p:cNvSpPr>
+          <p:nvPr>
+            <p:ph type="title"/>
+          </p:nvPr>
+        </p:nvSpPr>
+        <p:spPr>
+          <a:xfrm>
+            <a:off x="457200" y="449932"/>
+            <a:ext cx="8286750" cy="1150353"/>
+          </a:xfrm>
+        </p:spPr>
+        <p:txBody>
+          <a:bodyPr/>
+          <a:lstStyle/>
+          <a:p>
+            <a:r>
+              <a:rPr lang="en-CA" dirty="0" smtClean="0">
+                <a:latin typeface="+mn-lt"/>
+              </a:rPr>
+              <a:t>Confidence </a:t>
+            </a:r>
+            <a:r>
+              <a:rPr lang="en-CA" dirty="0" smtClean="0">
+                <a:latin typeface="+mn-lt"/>
+              </a:rPr>
+              <a:t>Interval Facts (Cont’d)</a:t>
+            </a:r>
+            <a:endParaRPr lang="en-CA" dirty="0">
+              <a:latin typeface="+mn-lt"/>
+            </a:endParaRPr>
+          </a:p>
+        </p:txBody>
+      </p:sp>
+      <p:sp>
+        <p:nvSpPr>
+          <p:cNvPr id="3" name="Content Placeholder 2"/>
+          <p:cNvSpPr>
+            <a:spLocks noGrp="1"/>
+          </p:cNvSpPr>
+          <p:nvPr>
+            <p:ph idx="1"/>
+          </p:nvPr>
+        </p:nvSpPr>
+        <p:spPr>
+          <a:xfrm>
+            <a:off x="457200" y="1756947"/>
+            <a:ext cx="8286750" cy="4043778"/>
+          </a:xfrm>
+        </p:spPr>
+        <p:txBody>
+          <a:bodyPr>
+            <a:normAutofit/>
+          </a:bodyPr>
+          <a:lstStyle/>
+          <a:p>
+            <a:pPr marL="0" indent="0">
+              <a:buNone/>
+            </a:pPr>
+            <a:r>
+              <a:rPr lang="en-CA" i="1" dirty="0" smtClean="0">
+                <a:latin typeface="+mn-lt"/>
+              </a:rPr>
+              <a:t>Clarification on Homework</a:t>
+            </a:r>
+          </a:p>
+          <a:p>
+            <a:r>
+              <a:rPr lang="en-CA" dirty="0" smtClean="0">
+                <a:latin typeface="+mn-lt"/>
+              </a:rPr>
+              <a:t>It </a:t>
+            </a:r>
+            <a:r>
+              <a:rPr lang="en-CA" dirty="0">
+                <a:latin typeface="+mn-lt"/>
+              </a:rPr>
+              <a:t>is </a:t>
+            </a:r>
+            <a:r>
+              <a:rPr lang="en-CA" b="1" dirty="0" smtClean="0">
+                <a:latin typeface="+mn-lt"/>
+              </a:rPr>
+              <a:t>not true </a:t>
+            </a:r>
+            <a:r>
+              <a:rPr lang="en-CA" dirty="0">
+                <a:latin typeface="+mn-lt"/>
+              </a:rPr>
+              <a:t>that there is a 95% probability the confidence interval [0.439, 0.5] contains the population </a:t>
+            </a:r>
+            <a:r>
+              <a:rPr lang="en-CA" dirty="0" smtClean="0">
+                <a:latin typeface="+mn-lt"/>
+              </a:rPr>
+              <a:t>parameter</a:t>
+            </a:r>
+          </a:p>
+          <a:p>
+            <a:r>
+              <a:rPr lang="en-CA" dirty="0" smtClean="0">
+                <a:latin typeface="+mn-lt"/>
+              </a:rPr>
+              <a:t>The population </a:t>
+            </a:r>
+            <a:r>
+              <a:rPr lang="en-CA" dirty="0">
+                <a:latin typeface="+mn-lt"/>
+              </a:rPr>
+              <a:t>parameter </a:t>
+            </a:r>
+            <a:r>
+              <a:rPr lang="en-CA" dirty="0" smtClean="0">
+                <a:latin typeface="+mn-lt"/>
+              </a:rPr>
+              <a:t>fixed AND</a:t>
+            </a:r>
+          </a:p>
+          <a:p>
+            <a:r>
+              <a:rPr lang="en-CA" dirty="0" smtClean="0">
+                <a:latin typeface="+mn-lt"/>
+              </a:rPr>
+              <a:t>The </a:t>
+            </a:r>
+            <a:r>
+              <a:rPr lang="en-CA" dirty="0">
+                <a:latin typeface="+mn-lt"/>
+              </a:rPr>
+              <a:t>confidence interval [0.439, 0.5] is </a:t>
+            </a:r>
+            <a:r>
+              <a:rPr lang="en-CA" dirty="0" smtClean="0">
+                <a:latin typeface="+mn-lt"/>
+              </a:rPr>
+              <a:t>fixed</a:t>
+            </a:r>
+          </a:p>
+          <a:p>
+            <a:r>
+              <a:rPr lang="en-CA" dirty="0" smtClean="0">
+                <a:latin typeface="+mn-lt"/>
+              </a:rPr>
+              <a:t>Differs</a:t>
+            </a:r>
+            <a:r>
+              <a:rPr lang="en-CA" dirty="0">
+                <a:latin typeface="+mn-lt"/>
+              </a:rPr>
+              <a:t> from statement #2 </a:t>
+            </a:r>
+            <a:r>
+              <a:rPr lang="en-CA" dirty="0" smtClean="0">
+                <a:latin typeface="+mn-lt"/>
+              </a:rPr>
+              <a:t>on the previous slide, </a:t>
+            </a:r>
+            <a:r>
+              <a:rPr lang="en-CA" dirty="0">
+                <a:latin typeface="+mn-lt"/>
+              </a:rPr>
+              <a:t>since in that statement the confidence interval is </a:t>
+            </a:r>
+            <a:r>
+              <a:rPr lang="en-CA" dirty="0" smtClean="0">
+                <a:latin typeface="+mn-lt"/>
+              </a:rPr>
+              <a:t>random! </a:t>
+            </a:r>
+          </a:p>
+          <a:p>
+            <a:r>
+              <a:rPr lang="en-CA" dirty="0" smtClean="0">
+                <a:latin typeface="+mn-lt"/>
+              </a:rPr>
+              <a:t>Here, </a:t>
+            </a:r>
+            <a:r>
+              <a:rPr lang="en-CA" dirty="0">
+                <a:latin typeface="+mn-lt"/>
+              </a:rPr>
+              <a:t>the confidence interval is fixed so we can't make probabilistic conclusions about it. </a:t>
+            </a:r>
+            <a:endParaRPr lang="en-CA" dirty="0" smtClean="0">
+              <a:latin typeface="+mn-lt"/>
+            </a:endParaRPr>
+          </a:p>
+        </p:txBody>
+      </p:sp>
+    </p:spTree>
+    <p:extLst>
+      <p:ext uri="{BB962C8B-B14F-4D97-AF65-F5344CB8AC3E}">
+        <p14:creationId xmlns:p14="http://schemas.microsoft.com/office/powerpoint/2010/main" val="3356122327"/>
+      </p:ext>
+    </p:extLst>
+  </p:cSld>
+  <p:clrMapOvr>
+    <a:masterClrMapping/>
+  </p:clrMapOvr>
+  <p:timing>
+    <p:tnLst>
+      <p:par>
+        <p:cTn id="1" dur="indefinite" restart="never" nodeType="tmRoot"/>
+      </p:par>
+    </p:tnLst>
+  </p:timing>
+</p:sld>
+</file>
+
+<file path=ppt/slides/slide9.xml><?xml version="1.0" encoding="utf-8"?>
+<p:sld xmlns:a="http://schemas.openxmlformats.org/drawingml/2006/main" xmlns:r="http://schemas.openxmlformats.org/officeDocument/2006/relationships" xmlns:p="http://schemas.openxmlformats.org/presentationml/2006/main">
+  <p:cSld>
+    <p:spTree>
+      <p:nvGrpSpPr>
+        <p:cNvPr id="1" name=""/>
+        <p:cNvGrpSpPr/>
+        <p:nvPr/>
+      </p:nvGrpSpPr>
+      <p:grpSpPr>
+        <a:xfrm>
+          <a:off x="0" y="0"/>
+          <a:ext cx="0" cy="0"/>
+          <a:chOff x="0" y="0"/>
+          <a:chExt cx="0" cy="0"/>
+        </a:xfrm>
+      </p:grpSpPr>
+      <p:sp>
+        <p:nvSpPr>
+          <p:cNvPr id="2" name="Title 1"/>
+          <p:cNvSpPr>
+            <a:spLocks noGrp="1"/>
+          </p:cNvSpPr>
+          <p:nvPr>
+            <p:ph type="title"/>
+          </p:nvPr>
+        </p:nvSpPr>
+        <p:spPr>
+          <a:xfrm>
+            <a:off x="457200" y="449932"/>
+            <a:ext cx="8286750" cy="1150353"/>
+          </a:xfrm>
+        </p:spPr>
+        <p:txBody>
+          <a:bodyPr/>
+          <a:lstStyle/>
+          <a:p>
+            <a:r>
+              <a:rPr lang="en-CA" dirty="0" smtClean="0">
+                <a:latin typeface="+mn-lt"/>
+              </a:rPr>
+              <a:t>Creating Confidence Intervals</a:t>
+            </a:r>
+            <a:endParaRPr lang="en-CA" dirty="0">
+              <a:latin typeface="+mn-lt"/>
+            </a:endParaRPr>
+          </a:p>
+        </p:txBody>
+      </p:sp>
+      <mc:AlternateContent xmlns:mc="http://schemas.openxmlformats.org/markup-compatibility/2006" xmlns:a14="http://schemas.microsoft.com/office/drawing/2010/main">
+        <mc:Choice Requires="a14">
+          <p:sp>
+            <p:nvSpPr>
+              <p:cNvPr id="3" name="Content Placeholder 2"/>
+              <p:cNvSpPr>
+                <a:spLocks noGrp="1"/>
+              </p:cNvSpPr>
+              <p:nvPr>
+                <p:ph idx="1"/>
+              </p:nvPr>
+            </p:nvSpPr>
+            <p:spPr>
+              <a:xfrm>
+                <a:off x="457200" y="1756947"/>
+                <a:ext cx="8286750" cy="4043778"/>
+              </a:xfrm>
+            </p:spPr>
+            <p:txBody>
+              <a:bodyPr>
+                <a:normAutofit/>
+              </a:bodyPr>
+              <a:lstStyle/>
+              <a:p>
+                <a:r>
+                  <a:rPr lang="en-CA" dirty="0" smtClean="0">
+                    <a:latin typeface="+mn-lt"/>
+                  </a:rPr>
+                  <a:t>We first need to bootstrap to get an array of sample statistics</a:t>
+                </a:r>
+              </a:p>
+              <a:p>
+                <a:r>
+                  <a:rPr lang="en-CA" dirty="0" smtClean="0">
+                    <a:latin typeface="+mn-lt"/>
+                  </a:rPr>
+                  <a:t>To get the values of a confidence interval, we use the percentile of those sample statistics!</a:t>
+                </a:r>
+                <a:endParaRPr lang="en-CA" dirty="0">
+                  <a:latin typeface="+mn-lt"/>
+                </a:endParaRPr>
+              </a:p>
+              <a:p>
+                <a:r>
+                  <a:rPr lang="en-CA" dirty="0" smtClean="0">
+                    <a:latin typeface="+mn-lt"/>
+                  </a:rPr>
+                  <a:t>Example: A 95% confidence interval will be created from the middle 95% of sample statistics</a:t>
+                </a:r>
+              </a:p>
+              <a:p>
+                <a:pPr lvl="1"/>
+                <a:r>
+                  <a:rPr lang="en-CA" dirty="0" smtClean="0">
+                    <a:latin typeface="+mn-lt"/>
+                  </a:rPr>
+                  <a:t>Symmetrical so </a:t>
+                </a:r>
+                <a14:m>
+                  <m:oMath xmlns:m="http://schemas.openxmlformats.org/officeDocument/2006/math">
+                    <m:f>
+                      <m:fPr>
+                        <m:ctrlPr>
+                          <a:rPr lang="en-CA" i="1" smtClean="0">
+                            <a:latin typeface="Cambria Math"/>
+                          </a:rPr>
+                        </m:ctrlPr>
+                      </m:fPr>
+                      <m:num>
+                        <m:r>
+                          <a:rPr lang="en-CA" b="0" i="1" smtClean="0">
+                            <a:latin typeface="Cambria Math"/>
+                          </a:rPr>
+                          <m:t>5%</m:t>
+                        </m:r>
+                      </m:num>
+                      <m:den>
+                        <m:r>
+                          <a:rPr lang="en-CA" b="0" i="1" smtClean="0">
+                            <a:latin typeface="Cambria Math"/>
+                          </a:rPr>
+                          <m:t>2</m:t>
+                        </m:r>
+                      </m:den>
+                    </m:f>
+                    <m:r>
+                      <a:rPr lang="en-CA" b="0" i="1" smtClean="0">
+                        <a:latin typeface="Cambria Math"/>
+                      </a:rPr>
+                      <m:t> </m:t>
+                    </m:r>
+                  </m:oMath>
+                </a14:m>
+                <a:r>
+                  <a:rPr lang="en-CA" dirty="0" smtClean="0">
+                    <a:latin typeface="+mn-lt"/>
+                  </a:rPr>
+                  <a:t>= 2.5% of the sample statistics fall outside the confidence interval on both sides</a:t>
+                </a:r>
+              </a:p>
+              <a:p>
+                <a:pPr lvl="1"/>
+                <a:r>
+                  <a:rPr lang="en-CA" dirty="0" smtClean="0">
+                    <a:latin typeface="+mn-lt"/>
+                  </a:rPr>
+                  <a:t>Lower bound: 2.5</a:t>
+                </a:r>
+                <a:r>
+                  <a:rPr lang="en-CA" baseline="30000" dirty="0" smtClean="0">
+                    <a:latin typeface="+mn-lt"/>
+                  </a:rPr>
+                  <a:t>th</a:t>
+                </a:r>
+                <a:r>
+                  <a:rPr lang="en-CA" dirty="0" smtClean="0">
+                    <a:latin typeface="+mn-lt"/>
+                  </a:rPr>
+                  <a:t> percentile</a:t>
+                </a:r>
+              </a:p>
+              <a:p>
+                <a:pPr lvl="1"/>
+                <a:r>
+                  <a:rPr lang="en-CA" dirty="0" smtClean="0">
+                    <a:latin typeface="+mn-lt"/>
+                  </a:rPr>
+                  <a:t>Upper bound: 97.5</a:t>
+                </a:r>
+                <a:r>
+                  <a:rPr lang="en-CA" baseline="30000" dirty="0" smtClean="0">
+                    <a:latin typeface="+mn-lt"/>
+                  </a:rPr>
+                  <a:t>th</a:t>
+                </a:r>
+                <a:r>
+                  <a:rPr lang="en-CA" dirty="0" smtClean="0">
+                    <a:latin typeface="+mn-lt"/>
+                  </a:rPr>
+                  <a:t> percentile</a:t>
+                </a:r>
+              </a:p>
+            </p:txBody>
+          </p:sp>
+        </mc:Choice>
+        <mc:Fallback xmlns="">
+          <p:sp>
+            <p:nvSpPr>
+              <p:cNvPr id="3" name="Content Placeholder 2"/>
+              <p:cNvSpPr>
+                <a:spLocks noGrp="1" noRot="1" noChangeAspect="1" noMove="1" noResize="1" noEditPoints="1" noAdjustHandles="1" noChangeArrowheads="1" noChangeShapeType="1" noTextEdit="1"/>
+              </p:cNvSpPr>
+              <p:nvPr>
+                <p:ph idx="1"/>
+              </p:nvPr>
+            </p:nvSpPr>
+            <p:spPr>
+              <a:xfrm>
+                <a:off x="457200" y="1756947"/>
+                <a:ext cx="8286750" cy="4043778"/>
+              </a:xfrm>
+              <a:blipFill rotWithShape="1">
+                <a:blip r:embed="rId2"/>
+                <a:stretch>
+                  <a:fillRect l="-809" t="-904" r="-736"/>
+                </a:stretch>
+              </a:blipFill>
+            </p:spPr>
+            <p:txBody>
+              <a:bodyPr/>
+              <a:lstStyle/>
+              <a:p>
+                <a:r>
+                  <a:rPr lang="en-CA">
+                    <a:noFill/>
+                  </a:rPr>
+                  <a:t> </a:t>
+                </a:r>
+              </a:p>
+            </p:txBody>
+          </p:sp>
+        </mc:Fallback>
+      </mc:AlternateContent>
+      <p:pic>
+        <p:nvPicPr>
+          <p:cNvPr id="2050" name="Picture 2" descr="https://encrypted-tbn0.gstatic.com/images?q=tbn%3AANd9GcS_zhd33_Wzzskw4yMx-k54rB_82rUn8QiET0zsL7v7aOel_7Cw"/>
+          <p:cNvPicPr>
+            <a:picLocks noChangeAspect="1" noChangeArrowheads="1"/>
+          </p:cNvPicPr>
+          <p:nvPr/>
+        </p:nvPicPr>
+        <p:blipFill>
+          <a:blip r:embed="rId3">
+            <a:extLst>
+              <a:ext uri="{28A0092B-C50C-407E-A947-70E740481C1C}">
+                <a14:useLocalDpi xmlns:a14="http://schemas.microsoft.com/office/drawing/2010/main" val="0"/>
+              </a:ext>
+            </a:extLst>
+          </a:blip>
+          <a:srcRect/>
+          <a:stretch>
+            <a:fillRect/>
+          </a:stretch>
+        </p:blipFill>
+        <p:spPr bwMode="auto">
+          <a:xfrm>
+            <a:off x="5661025" y="4368800"/>
+            <a:ext cx="2781300" cy="1638300"/>
+          </a:xfrm>
+          <a:prstGeom prst="rect">
+            <a:avLst/>
+          </a:prstGeom>
+          <a:noFill/>
+          <a:extLst>
+            <a:ext uri="{909E8E84-426E-40DD-AFC4-6F175D3DCCD1}">
+              <a14:hiddenFill xmlns:a14="http://schemas.microsoft.com/office/drawing/2010/main">
+                <a:solidFill>
+                  <a:srgbClr val="FFFFFF"/>
+                </a:solidFill>
+              </a14:hiddenFill>
+            </a:ext>
+          </a:extLst>
+        </p:spPr>
+      </p:pic>
+    </p:spTree>
+    <p:extLst>
+      <p:ext uri="{BB962C8B-B14F-4D97-AF65-F5344CB8AC3E}">
+        <p14:creationId xmlns:p14="http://schemas.microsoft.com/office/powerpoint/2010/main" val="2300566301"/>
       </p:ext>
     </p:extLst>
   </p:cSld>

--- a/data8/slides/lab8.pptx
+++ b/data8/slides/lab8.pptx
@@ -210,7 +210,7 @@
           <a:p>
             <a:fld id="{97CB1905-1EEB-6545-B5E2-B70E8868255E}" type="datetimeFigureOut">
               <a:rPr lang="en-US" smtClean="0"/>
-              <a:t>11/1/2019</a:t>
+              <a:t>11/15/2019</a:t>
             </a:fld>
             <a:endParaRPr lang="en-US"/>
           </a:p>
@@ -376,7 +376,7 @@
           <a:p>
             <a:fld id="{5F53F6BF-7462-9046-A2B6-90C29244BD27}" type="datetimeFigureOut">
               <a:rPr lang="en-US" smtClean="0"/>
-              <a:t>11/1/2019</a:t>
+              <a:t>11/15/2019</a:t>
             </a:fld>
             <a:endParaRPr lang="en-US"/>
           </a:p>
@@ -8889,17 +8889,8 @@
               <a:rPr lang="en-CA" dirty="0" smtClean="0">
                 <a:latin typeface="+mn-lt"/>
               </a:rPr>
-              <a:t>The population parameter is a </a:t>
-            </a:r>
-            <a:r>
-              <a:rPr lang="en-CA" dirty="0" smtClean="0">
-                <a:latin typeface="+mn-lt"/>
-              </a:rPr>
-              <a:t>constant – it’s either in an interval, or it isn’t so there’s nothing we can conclude about probability</a:t>
-            </a:r>
-            <a:endParaRPr lang="en-CA" dirty="0" smtClean="0">
-              <a:latin typeface="+mn-lt"/>
-            </a:endParaRPr>
+              <a:t>The population parameter is a constant – it’s either in an interval, or it isn’t so there’s nothing we can conclude about probability</a:t>
+            </a:r>
           </a:p>
           <a:p>
             <a:pPr lvl="1"/>
@@ -8970,13 +8961,7 @@
               <a:rPr lang="en-CA" dirty="0" smtClean="0">
                 <a:latin typeface="+mn-lt"/>
               </a:rPr>
-              <a:t>Confidence </a:t>
-            </a:r>
-            <a:r>
-              <a:rPr lang="en-CA" dirty="0" smtClean="0">
-                <a:latin typeface="+mn-lt"/>
-              </a:rPr>
-              <a:t>Interval Facts</a:t>
+              <a:t>Confidence Interval Facts</a:t>
             </a:r>
             <a:endParaRPr lang="en-CA" dirty="0">
               <a:latin typeface="+mn-lt"/>
@@ -9198,13 +9183,7 @@
               <a:rPr lang="en-CA" dirty="0" smtClean="0">
                 <a:latin typeface="+mn-lt"/>
               </a:rPr>
-              <a:t>Confidence </a:t>
-            </a:r>
-            <a:r>
-              <a:rPr lang="en-CA" dirty="0" smtClean="0">
-                <a:latin typeface="+mn-lt"/>
-              </a:rPr>
-              <a:t>Interval Facts (Cont’d)</a:t>
+              <a:t>Confidence Interval Facts (Cont’d)</a:t>
             </a:r>
             <a:endParaRPr lang="en-CA" dirty="0">
               <a:latin typeface="+mn-lt"/>
